--- a/labmanual/English/WW101-Binder-Cover.pptx
+++ b/labmanual/English/WW101-Binder-Cover.pptx
@@ -244,7 +244,7 @@
           <a:p>
             <a:fld id="{FD9117CB-CD87-A145-B0DD-B1FF23D56DC0}" type="datetimeFigureOut">
               <a:rPr lang="en-US" smtClean="0"/>
-              <a:t>2/1/2017</a:t>
+              <a:t>4/3/2017</a:t>
             </a:fld>
             <a:endParaRPr lang="en-US"/>
           </a:p>
@@ -414,7 +414,7 @@
           <a:p>
             <a:fld id="{FD9117CB-CD87-A145-B0DD-B1FF23D56DC0}" type="datetimeFigureOut">
               <a:rPr lang="en-US" smtClean="0"/>
-              <a:t>2/1/2017</a:t>
+              <a:t>4/3/2017</a:t>
             </a:fld>
             <a:endParaRPr lang="en-US"/>
           </a:p>
@@ -594,7 +594,7 @@
           <a:p>
             <a:fld id="{FD9117CB-CD87-A145-B0DD-B1FF23D56DC0}" type="datetimeFigureOut">
               <a:rPr lang="en-US" smtClean="0"/>
-              <a:t>2/1/2017</a:t>
+              <a:t>4/3/2017</a:t>
             </a:fld>
             <a:endParaRPr lang="en-US"/>
           </a:p>
@@ -764,7 +764,7 @@
           <a:p>
             <a:fld id="{FD9117CB-CD87-A145-B0DD-B1FF23D56DC0}" type="datetimeFigureOut">
               <a:rPr lang="en-US" smtClean="0"/>
-              <a:t>2/1/2017</a:t>
+              <a:t>4/3/2017</a:t>
             </a:fld>
             <a:endParaRPr lang="en-US"/>
           </a:p>
@@ -1008,7 +1008,7 @@
           <a:p>
             <a:fld id="{FD9117CB-CD87-A145-B0DD-B1FF23D56DC0}" type="datetimeFigureOut">
               <a:rPr lang="en-US" smtClean="0"/>
-              <a:t>2/1/2017</a:t>
+              <a:t>4/3/2017</a:t>
             </a:fld>
             <a:endParaRPr lang="en-US"/>
           </a:p>
@@ -1240,7 +1240,7 @@
           <a:p>
             <a:fld id="{FD9117CB-CD87-A145-B0DD-B1FF23D56DC0}" type="datetimeFigureOut">
               <a:rPr lang="en-US" smtClean="0"/>
-              <a:t>2/1/2017</a:t>
+              <a:t>4/3/2017</a:t>
             </a:fld>
             <a:endParaRPr lang="en-US"/>
           </a:p>
@@ -1607,7 +1607,7 @@
           <a:p>
             <a:fld id="{FD9117CB-CD87-A145-B0DD-B1FF23D56DC0}" type="datetimeFigureOut">
               <a:rPr lang="en-US" smtClean="0"/>
-              <a:t>2/1/2017</a:t>
+              <a:t>4/3/2017</a:t>
             </a:fld>
             <a:endParaRPr lang="en-US"/>
           </a:p>
@@ -1725,7 +1725,7 @@
           <a:p>
             <a:fld id="{FD9117CB-CD87-A145-B0DD-B1FF23D56DC0}" type="datetimeFigureOut">
               <a:rPr lang="en-US" smtClean="0"/>
-              <a:t>2/1/2017</a:t>
+              <a:t>4/3/2017</a:t>
             </a:fld>
             <a:endParaRPr lang="en-US"/>
           </a:p>
@@ -1820,7 +1820,7 @@
           <a:p>
             <a:fld id="{FD9117CB-CD87-A145-B0DD-B1FF23D56DC0}" type="datetimeFigureOut">
               <a:rPr lang="en-US" smtClean="0"/>
-              <a:t>2/1/2017</a:t>
+              <a:t>4/3/2017</a:t>
             </a:fld>
             <a:endParaRPr lang="en-US"/>
           </a:p>
@@ -2097,7 +2097,7 @@
           <a:p>
             <a:fld id="{FD9117CB-CD87-A145-B0DD-B1FF23D56DC0}" type="datetimeFigureOut">
               <a:rPr lang="en-US" smtClean="0"/>
-              <a:t>2/1/2017</a:t>
+              <a:t>4/3/2017</a:t>
             </a:fld>
             <a:endParaRPr lang="en-US"/>
           </a:p>
@@ -2354,7 +2354,7 @@
           <a:p>
             <a:fld id="{FD9117CB-CD87-A145-B0DD-B1FF23D56DC0}" type="datetimeFigureOut">
               <a:rPr lang="en-US" smtClean="0"/>
-              <a:t>2/1/2017</a:t>
+              <a:t>4/3/2017</a:t>
             </a:fld>
             <a:endParaRPr lang="en-US"/>
           </a:p>
@@ -2567,7 +2567,7 @@
           <a:p>
             <a:fld id="{FD9117CB-CD87-A145-B0DD-B1FF23D56DC0}" type="datetimeFigureOut">
               <a:rPr lang="en-US" smtClean="0"/>
-              <a:t>2/1/2017</a:t>
+              <a:t>4/3/2017</a:t>
             </a:fld>
             <a:endParaRPr lang="en-US"/>
           </a:p>
@@ -3066,11 +3066,7 @@
             <a:pPr algn="ctr"/>
             <a:r>
               <a:rPr lang="en-US" sz="2400" dirty="0" smtClean="0"/>
-              <a:t>Greg </a:t>
-            </a:r>
-            <a:r>
-              <a:rPr lang="en-US" sz="2400" dirty="0" smtClean="0"/>
-              <a:t>Landry</a:t>
+              <a:t>Greg Landry</a:t>
             </a:r>
           </a:p>
           <a:p>
@@ -3079,17 +3075,12 @@
               <a:rPr lang="en-US" sz="2400" dirty="0" smtClean="0"/>
               <a:t>Mike Noel</a:t>
             </a:r>
-            <a:endParaRPr lang="en-US" sz="2400" dirty="0" smtClean="0"/>
           </a:p>
           <a:p>
             <a:pPr algn="ctr"/>
             <a:r>
               <a:rPr lang="en-US" sz="2400" dirty="0" smtClean="0"/>
-              <a:t>James </a:t>
-            </a:r>
-            <a:r>
-              <a:rPr lang="en-US" sz="2400" dirty="0" smtClean="0"/>
-              <a:t>Dougherty</a:t>
+              <a:t>James Dougherty</a:t>
             </a:r>
           </a:p>
           <a:p>
@@ -3163,8 +3154,12 @@
           <a:p>
             <a:pPr algn="ctr"/>
             <a:r>
+              <a:rPr lang="en-US" b="1" dirty="0" smtClean="0"/>
+              <a:t>WPA2</a:t>
+            </a:r>
+            <a:r>
               <a:rPr lang="en-US" dirty="0" smtClean="0"/>
-              <a:t>WPA2 SSID = WW101WPA PW=</a:t>
+              <a:t> SSID = WW101WPA PW=</a:t>
             </a:r>
             <a:r>
               <a:rPr lang="en-US" dirty="0"/>
@@ -3182,8 +3177,8 @@
         </p:nvSpPr>
         <p:spPr>
           <a:xfrm>
-            <a:off x="1041325" y="6688699"/>
-            <a:ext cx="4632615" cy="369332"/>
+            <a:off x="179294" y="5533054"/>
+            <a:ext cx="6490447" cy="2800767"/>
           </a:xfrm>
           <a:prstGeom prst="rect">
             <a:avLst/>
@@ -3191,23 +3186,100 @@
           <a:noFill/>
         </p:spPr>
         <p:txBody>
-          <a:bodyPr wrap="none" rtlCol="0">
+          <a:bodyPr wrap="square" rtlCol="0">
             <a:spAutoFit/>
           </a:bodyPr>
           <a:lstStyle/>
           <a:p>
-            <a:pPr algn="ctr"/>
-            <a:r>
-              <a:rPr lang="en-US" dirty="0" smtClean="0"/>
-              <a:t>Don</a:t>
-            </a:r>
-            <a:r>
-              <a:rPr lang="uk-UA" dirty="0" smtClean="0"/>
-              <a:t>’</a:t>
-            </a:r>
-            <a:r>
-              <a:rPr lang="en-US" dirty="0" smtClean="0"/>
-              <a:t>t forget to ctrl-s SAVE before you run Make</a:t>
+            <a:r>
+              <a:rPr lang="en-US" sz="1600" dirty="0" smtClean="0"/>
+              <a:t>Trouble Shooting Guide: </a:t>
+            </a:r>
+          </a:p>
+          <a:p>
+            <a:endParaRPr lang="en-US" sz="1600" dirty="0"/>
+          </a:p>
+          <a:p>
+            <a:r>
+              <a:rPr lang="en-US" sz="1600" dirty="0" smtClean="0"/>
+              <a:t>Did you SAVE before you ran Make</a:t>
+            </a:r>
+          </a:p>
+          <a:p>
+            <a:r>
+              <a:rPr lang="en-US" sz="1600" dirty="0" smtClean="0"/>
+              <a:t>Did you call </a:t>
+            </a:r>
+            <a:r>
+              <a:rPr lang="en-US" sz="1600" dirty="0" err="1" smtClean="0"/>
+              <a:t>wiced_init</a:t>
+            </a:r>
+            <a:r>
+              <a:rPr lang="en-US" sz="1600" dirty="0" smtClean="0"/>
+              <a:t> before any other </a:t>
+            </a:r>
+            <a:r>
+              <a:rPr lang="en-US" sz="1600" smtClean="0"/>
+              <a:t>WICEDfunction</a:t>
+            </a:r>
+            <a:endParaRPr lang="en-US" sz="1600" dirty="0" smtClean="0"/>
+          </a:p>
+          <a:p>
+            <a:r>
+              <a:rPr lang="en-US" sz="1600" dirty="0" smtClean="0"/>
+              <a:t>Did you call the </a:t>
+            </a:r>
+            <a:r>
+              <a:rPr lang="en-US" sz="1600" dirty="0" err="1" smtClean="0"/>
+              <a:t>init</a:t>
+            </a:r>
+            <a:r>
+              <a:rPr lang="en-US" sz="1600" dirty="0" smtClean="0"/>
+              <a:t> function for each peripheral used</a:t>
+            </a:r>
+          </a:p>
+          <a:p>
+            <a:r>
+              <a:rPr lang="en-US" sz="1600" dirty="0" smtClean="0"/>
+              <a:t>Do the project folder, C file, and make file all have the same name</a:t>
+            </a:r>
+          </a:p>
+          <a:p>
+            <a:r>
+              <a:rPr lang="en-US" sz="1600" dirty="0" smtClean="0"/>
+              <a:t>Is the APP NAME in the make file unique</a:t>
+            </a:r>
+          </a:p>
+          <a:p>
+            <a:r>
+              <a:rPr lang="en-US" sz="1600" dirty="0" smtClean="0"/>
+              <a:t>Did you clean after modifying certificates</a:t>
+            </a:r>
+          </a:p>
+          <a:p>
+            <a:r>
+              <a:rPr lang="en-US" sz="1600" dirty="0" smtClean="0"/>
+              <a:t>Did you call </a:t>
+            </a:r>
+            <a:r>
+              <a:rPr lang="en-US" sz="1600" dirty="0" err="1" smtClean="0"/>
+              <a:t>wiced_network_up</a:t>
+            </a:r>
+            <a:r>
+              <a:rPr lang="en-US" sz="1600" dirty="0" smtClean="0"/>
+              <a:t> before any network activities</a:t>
+            </a:r>
+          </a:p>
+          <a:p>
+            <a:r>
+              <a:rPr lang="en-US" sz="1600" dirty="0" smtClean="0"/>
+              <a:t>Did you create all structures before referencing them in function calls</a:t>
+            </a:r>
+          </a:p>
+          <a:p>
+            <a:r>
+              <a:rPr lang="en-US" sz="1600" dirty="0" smtClean="0"/>
+              <a:t>Did you use WPRINT_APP_INFO for debugging (e.g. WICED return codes)</a:t>
             </a:r>
           </a:p>
         </p:txBody>
@@ -3266,8 +3338,12 @@
           <a:p>
             <a:pPr algn="ctr"/>
             <a:r>
+              <a:rPr lang="en-US" b="1" dirty="0" smtClean="0"/>
+              <a:t>OPEN</a:t>
+            </a:r>
+            <a:r>
               <a:rPr lang="en-US" dirty="0" smtClean="0"/>
-              <a:t>OPEN SSID = WW101OPEN</a:t>
+              <a:t> SSID = WW101OPEN</a:t>
             </a:r>
           </a:p>
         </p:txBody>
@@ -3296,8 +3372,12 @@
           <a:p>
             <a:pPr algn="ctr"/>
             <a:r>
+              <a:rPr lang="en-US" b="1" dirty="0" smtClean="0"/>
+              <a:t>WEP</a:t>
+            </a:r>
+            <a:r>
               <a:rPr lang="en-US" dirty="0" smtClean="0"/>
-              <a:t>WEP SSID = WW101WEP PW=</a:t>
+              <a:t> SSID = WW101WEP PW=</a:t>
             </a:r>
             <a:r>
               <a:rPr lang="en-US" dirty="0" err="1" smtClean="0"/>
@@ -3403,7 +3483,7 @@
             </a:r>
             <a:r>
               <a:rPr lang="en-US" sz="1050" smtClean="0"/>
-              <a:t>ersion 1.1</a:t>
+              <a:t>ersion 1.2</a:t>
             </a:r>
             <a:endParaRPr lang="en-US" sz="1050" dirty="0"/>
           </a:p>

--- a/labmanual/English/WW101-Binder-Cover.pptx
+++ b/labmanual/English/WW101-Binder-Cover.pptx
@@ -244,7 +244,7 @@
           <a:p>
             <a:fld id="{FD9117CB-CD87-A145-B0DD-B1FF23D56DC0}" type="datetimeFigureOut">
               <a:rPr lang="en-US" smtClean="0"/>
-              <a:t>4/3/2017</a:t>
+              <a:t>5/16/2017</a:t>
             </a:fld>
             <a:endParaRPr lang="en-US"/>
           </a:p>
@@ -414,7 +414,7 @@
           <a:p>
             <a:fld id="{FD9117CB-CD87-A145-B0DD-B1FF23D56DC0}" type="datetimeFigureOut">
               <a:rPr lang="en-US" smtClean="0"/>
-              <a:t>4/3/2017</a:t>
+              <a:t>5/16/2017</a:t>
             </a:fld>
             <a:endParaRPr lang="en-US"/>
           </a:p>
@@ -594,7 +594,7 @@
           <a:p>
             <a:fld id="{FD9117CB-CD87-A145-B0DD-B1FF23D56DC0}" type="datetimeFigureOut">
               <a:rPr lang="en-US" smtClean="0"/>
-              <a:t>4/3/2017</a:t>
+              <a:t>5/16/2017</a:t>
             </a:fld>
             <a:endParaRPr lang="en-US"/>
           </a:p>
@@ -764,7 +764,7 @@
           <a:p>
             <a:fld id="{FD9117CB-CD87-A145-B0DD-B1FF23D56DC0}" type="datetimeFigureOut">
               <a:rPr lang="en-US" smtClean="0"/>
-              <a:t>4/3/2017</a:t>
+              <a:t>5/16/2017</a:t>
             </a:fld>
             <a:endParaRPr lang="en-US"/>
           </a:p>
@@ -1008,7 +1008,7 @@
           <a:p>
             <a:fld id="{FD9117CB-CD87-A145-B0DD-B1FF23D56DC0}" type="datetimeFigureOut">
               <a:rPr lang="en-US" smtClean="0"/>
-              <a:t>4/3/2017</a:t>
+              <a:t>5/16/2017</a:t>
             </a:fld>
             <a:endParaRPr lang="en-US"/>
           </a:p>
@@ -1240,7 +1240,7 @@
           <a:p>
             <a:fld id="{FD9117CB-CD87-A145-B0DD-B1FF23D56DC0}" type="datetimeFigureOut">
               <a:rPr lang="en-US" smtClean="0"/>
-              <a:t>4/3/2017</a:t>
+              <a:t>5/16/2017</a:t>
             </a:fld>
             <a:endParaRPr lang="en-US"/>
           </a:p>
@@ -1607,7 +1607,7 @@
           <a:p>
             <a:fld id="{FD9117CB-CD87-A145-B0DD-B1FF23D56DC0}" type="datetimeFigureOut">
               <a:rPr lang="en-US" smtClean="0"/>
-              <a:t>4/3/2017</a:t>
+              <a:t>5/16/2017</a:t>
             </a:fld>
             <a:endParaRPr lang="en-US"/>
           </a:p>
@@ -1725,7 +1725,7 @@
           <a:p>
             <a:fld id="{FD9117CB-CD87-A145-B0DD-B1FF23D56DC0}" type="datetimeFigureOut">
               <a:rPr lang="en-US" smtClean="0"/>
-              <a:t>4/3/2017</a:t>
+              <a:t>5/16/2017</a:t>
             </a:fld>
             <a:endParaRPr lang="en-US"/>
           </a:p>
@@ -1820,7 +1820,7 @@
           <a:p>
             <a:fld id="{FD9117CB-CD87-A145-B0DD-B1FF23D56DC0}" type="datetimeFigureOut">
               <a:rPr lang="en-US" smtClean="0"/>
-              <a:t>4/3/2017</a:t>
+              <a:t>5/16/2017</a:t>
             </a:fld>
             <a:endParaRPr lang="en-US"/>
           </a:p>
@@ -2097,7 +2097,7 @@
           <a:p>
             <a:fld id="{FD9117CB-CD87-A145-B0DD-B1FF23D56DC0}" type="datetimeFigureOut">
               <a:rPr lang="en-US" smtClean="0"/>
-              <a:t>4/3/2017</a:t>
+              <a:t>5/16/2017</a:t>
             </a:fld>
             <a:endParaRPr lang="en-US"/>
           </a:p>
@@ -2354,7 +2354,7 @@
           <a:p>
             <a:fld id="{FD9117CB-CD87-A145-B0DD-B1FF23D56DC0}" type="datetimeFigureOut">
               <a:rPr lang="en-US" smtClean="0"/>
-              <a:t>4/3/2017</a:t>
+              <a:t>5/16/2017</a:t>
             </a:fld>
             <a:endParaRPr lang="en-US"/>
           </a:p>
@@ -2567,7 +2567,7 @@
           <a:p>
             <a:fld id="{FD9117CB-CD87-A145-B0DD-B1FF23D56DC0}" type="datetimeFigureOut">
               <a:rPr lang="en-US" smtClean="0"/>
-              <a:t>4/3/2017</a:t>
+              <a:t>5/16/2017</a:t>
             </a:fld>
             <a:endParaRPr lang="en-US"/>
           </a:p>
@@ -3138,8 +3138,8 @@
         </p:nvSpPr>
         <p:spPr>
           <a:xfrm>
-            <a:off x="1532454" y="1939208"/>
-            <a:ext cx="4078937" cy="369332"/>
+            <a:off x="832268" y="1137463"/>
+            <a:ext cx="5184497" cy="369332"/>
           </a:xfrm>
           <a:prstGeom prst="rect">
             <a:avLst/>
@@ -3159,13 +3159,8 @@
             </a:r>
             <a:r>
               <a:rPr lang="en-US" dirty="0" smtClean="0"/>
-              <a:t> SSID = WW101WPA PW=</a:t>
-            </a:r>
-            <a:r>
-              <a:rPr lang="en-US" dirty="0"/>
-              <a:t>kywpa123</a:t>
-            </a:r>
-            <a:endParaRPr lang="en-US" dirty="0" smtClean="0"/>
+              <a:t> SSID = WW101WPA PW = cypresswicedwifi101</a:t>
+            </a:r>
           </a:p>
         </p:txBody>
       </p:sp>
@@ -3292,7 +3287,7 @@
         </p:nvSpPr>
         <p:spPr>
           <a:xfrm>
-            <a:off x="984451" y="2424611"/>
+            <a:off x="984451" y="1795344"/>
             <a:ext cx="5174943" cy="369332"/>
           </a:xfrm>
           <a:prstGeom prst="rect">
@@ -3316,86 +3311,13 @@
       </p:sp>
       <p:sp>
         <p:nvSpPr>
-          <p:cNvPr id="5" name="TextBox 4"/>
-          <p:cNvSpPr txBox="1"/>
-          <p:nvPr/>
-        </p:nvSpPr>
-        <p:spPr>
-          <a:xfrm>
-            <a:off x="2223637" y="1137463"/>
-            <a:ext cx="2696572" cy="369332"/>
-          </a:xfrm>
-          <a:prstGeom prst="rect">
-            <a:avLst/>
-          </a:prstGeom>
-          <a:noFill/>
-        </p:spPr>
-        <p:txBody>
-          <a:bodyPr wrap="none" rtlCol="0">
-            <a:spAutoFit/>
-          </a:bodyPr>
-          <a:lstStyle/>
-          <a:p>
-            <a:pPr algn="ctr"/>
-            <a:r>
-              <a:rPr lang="en-US" b="1" dirty="0" smtClean="0"/>
-              <a:t>OPEN</a:t>
-            </a:r>
-            <a:r>
-              <a:rPr lang="en-US" dirty="0" smtClean="0"/>
-              <a:t> SSID = WW101OPEN</a:t>
-            </a:r>
-          </a:p>
-        </p:txBody>
-      </p:sp>
-      <p:sp>
-        <p:nvSpPr>
-          <p:cNvPr id="6" name="TextBox 5"/>
-          <p:cNvSpPr txBox="1"/>
-          <p:nvPr/>
-        </p:nvSpPr>
-        <p:spPr>
-          <a:xfrm>
-            <a:off x="1768960" y="1506795"/>
-            <a:ext cx="3605924" cy="369332"/>
-          </a:xfrm>
-          <a:prstGeom prst="rect">
-            <a:avLst/>
-          </a:prstGeom>
-          <a:noFill/>
-        </p:spPr>
-        <p:txBody>
-          <a:bodyPr wrap="none" rtlCol="0">
-            <a:spAutoFit/>
-          </a:bodyPr>
-          <a:lstStyle/>
-          <a:p>
-            <a:pPr algn="ctr"/>
-            <a:r>
-              <a:rPr lang="en-US" b="1" dirty="0" smtClean="0"/>
-              <a:t>WEP</a:t>
-            </a:r>
-            <a:r>
-              <a:rPr lang="en-US" dirty="0" smtClean="0"/>
-              <a:t> SSID = WW101WEP PW=</a:t>
-            </a:r>
-            <a:r>
-              <a:rPr lang="en-US" dirty="0" err="1" smtClean="0"/>
-              <a:t>kywep</a:t>
-            </a:r>
-            <a:endParaRPr lang="en-US" dirty="0" smtClean="0"/>
-          </a:p>
-        </p:txBody>
-      </p:sp>
-      <p:sp>
-        <p:nvSpPr>
           <p:cNvPr id="7" name="TextBox 6"/>
           <p:cNvSpPr txBox="1"/>
           <p:nvPr/>
         </p:nvSpPr>
         <p:spPr>
           <a:xfrm>
-            <a:off x="2227419" y="3263993"/>
+            <a:off x="2227419" y="2506907"/>
             <a:ext cx="2689006" cy="1477328"/>
           </a:xfrm>
           <a:prstGeom prst="rect">

--- a/labmanual/English/WW101-Binder-Cover.pptx
+++ b/labmanual/English/WW101-Binder-Cover.pptx
@@ -113,6 +113,10 @@
 </p:presentation>
 </file>
 
+<file path=ppt/revisionInfo.xml><?xml version="1.0" encoding="utf-8"?>
+<p1510:revInfo xmlns:a="http://schemas.openxmlformats.org/drawingml/2006/main" xmlns:r="http://schemas.openxmlformats.org/officeDocument/2006/relationships" xmlns:p1510="http://schemas.microsoft.com/office/powerpoint/2015/10/main"/>
+</file>
+
 <file path=ppt/slideLayouts/slideLayout1.xml><?xml version="1.0" encoding="utf-8"?>
 <p:sldLayout xmlns:a="http://schemas.openxmlformats.org/drawingml/2006/main" xmlns:r="http://schemas.openxmlformats.org/officeDocument/2006/relationships" xmlns:p="http://schemas.openxmlformats.org/presentationml/2006/main" type="title" preserve="1">
   <p:cSld name="Title Slide">
@@ -155,7 +159,7 @@
           </a:lstStyle>
           <a:p>
             <a:r>
-              <a:rPr lang="en-US" smtClean="0"/>
+              <a:rPr lang="en-US"/>
               <a:t>Click to edit Master title style</a:t>
             </a:r>
             <a:endParaRPr lang="en-US" dirty="0"/>
@@ -220,7 +224,7 @@
           </a:lstStyle>
           <a:p>
             <a:r>
-              <a:rPr lang="en-US" smtClean="0"/>
+              <a:rPr lang="en-US"/>
               <a:t>Click to edit Master subtitle style</a:t>
             </a:r>
             <a:endParaRPr lang="en-US" dirty="0"/>
@@ -244,7 +248,7 @@
           <a:p>
             <a:fld id="{FD9117CB-CD87-A145-B0DD-B1FF23D56DC0}" type="datetimeFigureOut">
               <a:rPr lang="en-US" smtClean="0"/>
-              <a:t>5/16/2017</a:t>
+              <a:t>7/13/2017</a:t>
             </a:fld>
             <a:endParaRPr lang="en-US"/>
           </a:p>
@@ -338,7 +342,7 @@
           <a:lstStyle/>
           <a:p>
             <a:r>
-              <a:rPr lang="en-US" smtClean="0"/>
+              <a:rPr lang="en-US"/>
               <a:t>Click to edit Master title style</a:t>
             </a:r>
             <a:endParaRPr lang="en-US" dirty="0"/>
@@ -362,35 +366,35 @@
           <a:p>
             <a:pPr lvl="0"/>
             <a:r>
-              <a:rPr lang="en-US" smtClean="0"/>
+              <a:rPr lang="en-US"/>
               <a:t>Click to edit Master text styles</a:t>
             </a:r>
           </a:p>
           <a:p>
             <a:pPr lvl="1"/>
             <a:r>
-              <a:rPr lang="en-US" smtClean="0"/>
+              <a:rPr lang="en-US"/>
               <a:t>Second level</a:t>
             </a:r>
           </a:p>
           <a:p>
             <a:pPr lvl="2"/>
             <a:r>
-              <a:rPr lang="en-US" smtClean="0"/>
+              <a:rPr lang="en-US"/>
               <a:t>Third level</a:t>
             </a:r>
           </a:p>
           <a:p>
             <a:pPr lvl="3"/>
             <a:r>
-              <a:rPr lang="en-US" smtClean="0"/>
+              <a:rPr lang="en-US"/>
               <a:t>Fourth level</a:t>
             </a:r>
           </a:p>
           <a:p>
             <a:pPr lvl="4"/>
             <a:r>
-              <a:rPr lang="en-US" smtClean="0"/>
+              <a:rPr lang="en-US"/>
               <a:t>Fifth level</a:t>
             </a:r>
             <a:endParaRPr lang="en-US" dirty="0"/>
@@ -414,7 +418,7 @@
           <a:p>
             <a:fld id="{FD9117CB-CD87-A145-B0DD-B1FF23D56DC0}" type="datetimeFigureOut">
               <a:rPr lang="en-US" smtClean="0"/>
-              <a:t>5/16/2017</a:t>
+              <a:t>7/13/2017</a:t>
             </a:fld>
             <a:endParaRPr lang="en-US"/>
           </a:p>
@@ -513,7 +517,7 @@
           <a:lstStyle/>
           <a:p>
             <a:r>
-              <a:rPr lang="en-US" smtClean="0"/>
+              <a:rPr lang="en-US"/>
               <a:t>Click to edit Master title style</a:t>
             </a:r>
             <a:endParaRPr lang="en-US" dirty="0"/>
@@ -542,35 +546,35 @@
           <a:p>
             <a:pPr lvl="0"/>
             <a:r>
-              <a:rPr lang="en-US" smtClean="0"/>
+              <a:rPr lang="en-US"/>
               <a:t>Click to edit Master text styles</a:t>
             </a:r>
           </a:p>
           <a:p>
             <a:pPr lvl="1"/>
             <a:r>
-              <a:rPr lang="en-US" smtClean="0"/>
+              <a:rPr lang="en-US"/>
               <a:t>Second level</a:t>
             </a:r>
           </a:p>
           <a:p>
             <a:pPr lvl="2"/>
             <a:r>
-              <a:rPr lang="en-US" smtClean="0"/>
+              <a:rPr lang="en-US"/>
               <a:t>Third level</a:t>
             </a:r>
           </a:p>
           <a:p>
             <a:pPr lvl="3"/>
             <a:r>
-              <a:rPr lang="en-US" smtClean="0"/>
+              <a:rPr lang="en-US"/>
               <a:t>Fourth level</a:t>
             </a:r>
           </a:p>
           <a:p>
             <a:pPr lvl="4"/>
             <a:r>
-              <a:rPr lang="en-US" smtClean="0"/>
+              <a:rPr lang="en-US"/>
               <a:t>Fifth level</a:t>
             </a:r>
             <a:endParaRPr lang="en-US" dirty="0"/>
@@ -594,7 +598,7 @@
           <a:p>
             <a:fld id="{FD9117CB-CD87-A145-B0DD-B1FF23D56DC0}" type="datetimeFigureOut">
               <a:rPr lang="en-US" smtClean="0"/>
-              <a:t>5/16/2017</a:t>
+              <a:t>7/13/2017</a:t>
             </a:fld>
             <a:endParaRPr lang="en-US"/>
           </a:p>
@@ -688,7 +692,7 @@
           <a:lstStyle/>
           <a:p>
             <a:r>
-              <a:rPr lang="en-US" smtClean="0"/>
+              <a:rPr lang="en-US"/>
               <a:t>Click to edit Master title style</a:t>
             </a:r>
             <a:endParaRPr lang="en-US" dirty="0"/>
@@ -712,35 +716,35 @@
           <a:p>
             <a:pPr lvl="0"/>
             <a:r>
-              <a:rPr lang="en-US" smtClean="0"/>
+              <a:rPr lang="en-US"/>
               <a:t>Click to edit Master text styles</a:t>
             </a:r>
           </a:p>
           <a:p>
             <a:pPr lvl="1"/>
             <a:r>
-              <a:rPr lang="en-US" smtClean="0"/>
+              <a:rPr lang="en-US"/>
               <a:t>Second level</a:t>
             </a:r>
           </a:p>
           <a:p>
             <a:pPr lvl="2"/>
             <a:r>
-              <a:rPr lang="en-US" smtClean="0"/>
+              <a:rPr lang="en-US"/>
               <a:t>Third level</a:t>
             </a:r>
           </a:p>
           <a:p>
             <a:pPr lvl="3"/>
             <a:r>
-              <a:rPr lang="en-US" smtClean="0"/>
+              <a:rPr lang="en-US"/>
               <a:t>Fourth level</a:t>
             </a:r>
           </a:p>
           <a:p>
             <a:pPr lvl="4"/>
             <a:r>
-              <a:rPr lang="en-US" smtClean="0"/>
+              <a:rPr lang="en-US"/>
               <a:t>Fifth level</a:t>
             </a:r>
             <a:endParaRPr lang="en-US" dirty="0"/>
@@ -764,7 +768,7 @@
           <a:p>
             <a:fld id="{FD9117CB-CD87-A145-B0DD-B1FF23D56DC0}" type="datetimeFigureOut">
               <a:rPr lang="en-US" smtClean="0"/>
-              <a:t>5/16/2017</a:t>
+              <a:t>7/13/2017</a:t>
             </a:fld>
             <a:endParaRPr lang="en-US"/>
           </a:p>
@@ -867,7 +871,7 @@
           </a:lstStyle>
           <a:p>
             <a:r>
-              <a:rPr lang="en-US" smtClean="0"/>
+              <a:rPr lang="en-US"/>
               <a:t>Click to edit Master title style</a:t>
             </a:r>
             <a:endParaRPr lang="en-US" dirty="0"/>
@@ -985,7 +989,7 @@
           <a:p>
             <a:pPr lvl="0"/>
             <a:r>
-              <a:rPr lang="en-US" smtClean="0"/>
+              <a:rPr lang="en-US"/>
               <a:t>Click to edit Master text styles</a:t>
             </a:r>
           </a:p>
@@ -1008,7 +1012,7 @@
           <a:p>
             <a:fld id="{FD9117CB-CD87-A145-B0DD-B1FF23D56DC0}" type="datetimeFigureOut">
               <a:rPr lang="en-US" smtClean="0"/>
-              <a:t>5/16/2017</a:t>
+              <a:t>7/13/2017</a:t>
             </a:fld>
             <a:endParaRPr lang="en-US"/>
           </a:p>
@@ -1102,7 +1106,7 @@
           <a:lstStyle/>
           <a:p>
             <a:r>
-              <a:rPr lang="en-US" smtClean="0"/>
+              <a:rPr lang="en-US"/>
               <a:t>Click to edit Master title style</a:t>
             </a:r>
             <a:endParaRPr lang="en-US" dirty="0"/>
@@ -1131,35 +1135,35 @@
           <a:p>
             <a:pPr lvl="0"/>
             <a:r>
-              <a:rPr lang="en-US" smtClean="0"/>
+              <a:rPr lang="en-US"/>
               <a:t>Click to edit Master text styles</a:t>
             </a:r>
           </a:p>
           <a:p>
             <a:pPr lvl="1"/>
             <a:r>
-              <a:rPr lang="en-US" smtClean="0"/>
+              <a:rPr lang="en-US"/>
               <a:t>Second level</a:t>
             </a:r>
           </a:p>
           <a:p>
             <a:pPr lvl="2"/>
             <a:r>
-              <a:rPr lang="en-US" smtClean="0"/>
+              <a:rPr lang="en-US"/>
               <a:t>Third level</a:t>
             </a:r>
           </a:p>
           <a:p>
             <a:pPr lvl="3"/>
             <a:r>
-              <a:rPr lang="en-US" smtClean="0"/>
+              <a:rPr lang="en-US"/>
               <a:t>Fourth level</a:t>
             </a:r>
           </a:p>
           <a:p>
             <a:pPr lvl="4"/>
             <a:r>
-              <a:rPr lang="en-US" smtClean="0"/>
+              <a:rPr lang="en-US"/>
               <a:t>Fifth level</a:t>
             </a:r>
             <a:endParaRPr lang="en-US" dirty="0"/>
@@ -1188,35 +1192,35 @@
           <a:p>
             <a:pPr lvl="0"/>
             <a:r>
-              <a:rPr lang="en-US" smtClean="0"/>
+              <a:rPr lang="en-US"/>
               <a:t>Click to edit Master text styles</a:t>
             </a:r>
           </a:p>
           <a:p>
             <a:pPr lvl="1"/>
             <a:r>
-              <a:rPr lang="en-US" smtClean="0"/>
+              <a:rPr lang="en-US"/>
               <a:t>Second level</a:t>
             </a:r>
           </a:p>
           <a:p>
             <a:pPr lvl="2"/>
             <a:r>
-              <a:rPr lang="en-US" smtClean="0"/>
+              <a:rPr lang="en-US"/>
               <a:t>Third level</a:t>
             </a:r>
           </a:p>
           <a:p>
             <a:pPr lvl="3"/>
             <a:r>
-              <a:rPr lang="en-US" smtClean="0"/>
+              <a:rPr lang="en-US"/>
               <a:t>Fourth level</a:t>
             </a:r>
           </a:p>
           <a:p>
             <a:pPr lvl="4"/>
             <a:r>
-              <a:rPr lang="en-US" smtClean="0"/>
+              <a:rPr lang="en-US"/>
               <a:t>Fifth level</a:t>
             </a:r>
             <a:endParaRPr lang="en-US" dirty="0"/>
@@ -1240,7 +1244,7 @@
           <a:p>
             <a:fld id="{FD9117CB-CD87-A145-B0DD-B1FF23D56DC0}" type="datetimeFigureOut">
               <a:rPr lang="en-US" smtClean="0"/>
-              <a:t>5/16/2017</a:t>
+              <a:t>7/13/2017</a:t>
             </a:fld>
             <a:endParaRPr lang="en-US"/>
           </a:p>
@@ -1339,7 +1343,7 @@
           <a:lstStyle/>
           <a:p>
             <a:r>
-              <a:rPr lang="en-US" smtClean="0"/>
+              <a:rPr lang="en-US"/>
               <a:t>Click to edit Master title style</a:t>
             </a:r>
             <a:endParaRPr lang="en-US" dirty="0"/>
@@ -1405,7 +1409,7 @@
           <a:p>
             <a:pPr lvl="0"/>
             <a:r>
-              <a:rPr lang="en-US" smtClean="0"/>
+              <a:rPr lang="en-US"/>
               <a:t>Click to edit Master text styles</a:t>
             </a:r>
           </a:p>
@@ -1433,35 +1437,35 @@
           <a:p>
             <a:pPr lvl="0"/>
             <a:r>
-              <a:rPr lang="en-US" smtClean="0"/>
+              <a:rPr lang="en-US"/>
               <a:t>Click to edit Master text styles</a:t>
             </a:r>
           </a:p>
           <a:p>
             <a:pPr lvl="1"/>
             <a:r>
-              <a:rPr lang="en-US" smtClean="0"/>
+              <a:rPr lang="en-US"/>
               <a:t>Second level</a:t>
             </a:r>
           </a:p>
           <a:p>
             <a:pPr lvl="2"/>
             <a:r>
-              <a:rPr lang="en-US" smtClean="0"/>
+              <a:rPr lang="en-US"/>
               <a:t>Third level</a:t>
             </a:r>
           </a:p>
           <a:p>
             <a:pPr lvl="3"/>
             <a:r>
-              <a:rPr lang="en-US" smtClean="0"/>
+              <a:rPr lang="en-US"/>
               <a:t>Fourth level</a:t>
             </a:r>
           </a:p>
           <a:p>
             <a:pPr lvl="4"/>
             <a:r>
-              <a:rPr lang="en-US" smtClean="0"/>
+              <a:rPr lang="en-US"/>
               <a:t>Fifth level</a:t>
             </a:r>
             <a:endParaRPr lang="en-US" dirty="0"/>
@@ -1527,7 +1531,7 @@
           <a:p>
             <a:pPr lvl="0"/>
             <a:r>
-              <a:rPr lang="en-US" smtClean="0"/>
+              <a:rPr lang="en-US"/>
               <a:t>Click to edit Master text styles</a:t>
             </a:r>
           </a:p>
@@ -1555,35 +1559,35 @@
           <a:p>
             <a:pPr lvl="0"/>
             <a:r>
-              <a:rPr lang="en-US" smtClean="0"/>
+              <a:rPr lang="en-US"/>
               <a:t>Click to edit Master text styles</a:t>
             </a:r>
           </a:p>
           <a:p>
             <a:pPr lvl="1"/>
             <a:r>
-              <a:rPr lang="en-US" smtClean="0"/>
+              <a:rPr lang="en-US"/>
               <a:t>Second level</a:t>
             </a:r>
           </a:p>
           <a:p>
             <a:pPr lvl="2"/>
             <a:r>
-              <a:rPr lang="en-US" smtClean="0"/>
+              <a:rPr lang="en-US"/>
               <a:t>Third level</a:t>
             </a:r>
           </a:p>
           <a:p>
             <a:pPr lvl="3"/>
             <a:r>
-              <a:rPr lang="en-US" smtClean="0"/>
+              <a:rPr lang="en-US"/>
               <a:t>Fourth level</a:t>
             </a:r>
           </a:p>
           <a:p>
             <a:pPr lvl="4"/>
             <a:r>
-              <a:rPr lang="en-US" smtClean="0"/>
+              <a:rPr lang="en-US"/>
               <a:t>Fifth level</a:t>
             </a:r>
             <a:endParaRPr lang="en-US" dirty="0"/>
@@ -1607,7 +1611,7 @@
           <a:p>
             <a:fld id="{FD9117CB-CD87-A145-B0DD-B1FF23D56DC0}" type="datetimeFigureOut">
               <a:rPr lang="en-US" smtClean="0"/>
-              <a:t>5/16/2017</a:t>
+              <a:t>7/13/2017</a:t>
             </a:fld>
             <a:endParaRPr lang="en-US"/>
           </a:p>
@@ -1701,7 +1705,7 @@
           <a:lstStyle/>
           <a:p>
             <a:r>
-              <a:rPr lang="en-US" smtClean="0"/>
+              <a:rPr lang="en-US"/>
               <a:t>Click to edit Master title style</a:t>
             </a:r>
             <a:endParaRPr lang="en-US" dirty="0"/>
@@ -1725,7 +1729,7 @@
           <a:p>
             <a:fld id="{FD9117CB-CD87-A145-B0DD-B1FF23D56DC0}" type="datetimeFigureOut">
               <a:rPr lang="en-US" smtClean="0"/>
-              <a:t>5/16/2017</a:t>
+              <a:t>7/13/2017</a:t>
             </a:fld>
             <a:endParaRPr lang="en-US"/>
           </a:p>
@@ -1820,7 +1824,7 @@
           <a:p>
             <a:fld id="{FD9117CB-CD87-A145-B0DD-B1FF23D56DC0}" type="datetimeFigureOut">
               <a:rPr lang="en-US" smtClean="0"/>
-              <a:t>5/16/2017</a:t>
+              <a:t>7/13/2017</a:t>
             </a:fld>
             <a:endParaRPr lang="en-US"/>
           </a:p>
@@ -1923,7 +1927,7 @@
           </a:lstStyle>
           <a:p>
             <a:r>
-              <a:rPr lang="en-US" smtClean="0"/>
+              <a:rPr lang="en-US"/>
               <a:t>Click to edit Master title style</a:t>
             </a:r>
             <a:endParaRPr lang="en-US" dirty="0"/>
@@ -1980,35 +1984,35 @@
           <a:p>
             <a:pPr lvl="0"/>
             <a:r>
-              <a:rPr lang="en-US" smtClean="0"/>
+              <a:rPr lang="en-US"/>
               <a:t>Click to edit Master text styles</a:t>
             </a:r>
           </a:p>
           <a:p>
             <a:pPr lvl="1"/>
             <a:r>
-              <a:rPr lang="en-US" smtClean="0"/>
+              <a:rPr lang="en-US"/>
               <a:t>Second level</a:t>
             </a:r>
           </a:p>
           <a:p>
             <a:pPr lvl="2"/>
             <a:r>
-              <a:rPr lang="en-US" smtClean="0"/>
+              <a:rPr lang="en-US"/>
               <a:t>Third level</a:t>
             </a:r>
           </a:p>
           <a:p>
             <a:pPr lvl="3"/>
             <a:r>
-              <a:rPr lang="en-US" smtClean="0"/>
+              <a:rPr lang="en-US"/>
               <a:t>Fourth level</a:t>
             </a:r>
           </a:p>
           <a:p>
             <a:pPr lvl="4"/>
             <a:r>
-              <a:rPr lang="en-US" smtClean="0"/>
+              <a:rPr lang="en-US"/>
               <a:t>Fifth level</a:t>
             </a:r>
             <a:endParaRPr lang="en-US" dirty="0"/>
@@ -2074,7 +2078,7 @@
           <a:p>
             <a:pPr lvl="0"/>
             <a:r>
-              <a:rPr lang="en-US" smtClean="0"/>
+              <a:rPr lang="en-US"/>
               <a:t>Click to edit Master text styles</a:t>
             </a:r>
           </a:p>
@@ -2097,7 +2101,7 @@
           <a:p>
             <a:fld id="{FD9117CB-CD87-A145-B0DD-B1FF23D56DC0}" type="datetimeFigureOut">
               <a:rPr lang="en-US" smtClean="0"/>
-              <a:t>5/16/2017</a:t>
+              <a:t>7/13/2017</a:t>
             </a:fld>
             <a:endParaRPr lang="en-US"/>
           </a:p>
@@ -2200,7 +2204,7 @@
           </a:lstStyle>
           <a:p>
             <a:r>
-              <a:rPr lang="en-US" smtClean="0"/>
+              <a:rPr lang="en-US"/>
               <a:t>Click to edit Master title style</a:t>
             </a:r>
             <a:endParaRPr lang="en-US" dirty="0"/>
@@ -2265,7 +2269,7 @@
           </a:lstStyle>
           <a:p>
             <a:r>
-              <a:rPr lang="en-US" smtClean="0"/>
+              <a:rPr lang="en-US"/>
               <a:t>Drag picture to placeholder or click icon to add</a:t>
             </a:r>
             <a:endParaRPr lang="en-US" dirty="0"/>
@@ -2331,7 +2335,7 @@
           <a:p>
             <a:pPr lvl="0"/>
             <a:r>
-              <a:rPr lang="en-US" smtClean="0"/>
+              <a:rPr lang="en-US"/>
               <a:t>Click to edit Master text styles</a:t>
             </a:r>
           </a:p>
@@ -2354,7 +2358,7 @@
           <a:p>
             <a:fld id="{FD9117CB-CD87-A145-B0DD-B1FF23D56DC0}" type="datetimeFigureOut">
               <a:rPr lang="en-US" smtClean="0"/>
-              <a:t>5/16/2017</a:t>
+              <a:t>7/13/2017</a:t>
             </a:fld>
             <a:endParaRPr lang="en-US"/>
           </a:p>
@@ -2463,7 +2467,7 @@
           <a:lstStyle/>
           <a:p>
             <a:r>
-              <a:rPr lang="en-US" smtClean="0"/>
+              <a:rPr lang="en-US"/>
               <a:t>Click to edit Master title style</a:t>
             </a:r>
             <a:endParaRPr lang="en-US" dirty="0"/>
@@ -2497,35 +2501,35 @@
           <a:p>
             <a:pPr lvl="0"/>
             <a:r>
-              <a:rPr lang="en-US" smtClean="0"/>
+              <a:rPr lang="en-US"/>
               <a:t>Click to edit Master text styles</a:t>
             </a:r>
           </a:p>
           <a:p>
             <a:pPr lvl="1"/>
             <a:r>
-              <a:rPr lang="en-US" smtClean="0"/>
+              <a:rPr lang="en-US"/>
               <a:t>Second level</a:t>
             </a:r>
           </a:p>
           <a:p>
             <a:pPr lvl="2"/>
             <a:r>
-              <a:rPr lang="en-US" smtClean="0"/>
+              <a:rPr lang="en-US"/>
               <a:t>Third level</a:t>
             </a:r>
           </a:p>
           <a:p>
             <a:pPr lvl="3"/>
             <a:r>
-              <a:rPr lang="en-US" smtClean="0"/>
+              <a:rPr lang="en-US"/>
               <a:t>Fourth level</a:t>
             </a:r>
           </a:p>
           <a:p>
             <a:pPr lvl="4"/>
             <a:r>
-              <a:rPr lang="en-US" smtClean="0"/>
+              <a:rPr lang="en-US"/>
               <a:t>Fifth level</a:t>
             </a:r>
             <a:endParaRPr lang="en-US" dirty="0"/>
@@ -2567,7 +2571,7 @@
           <a:p>
             <a:fld id="{FD9117CB-CD87-A145-B0DD-B1FF23D56DC0}" type="datetimeFigureOut">
               <a:rPr lang="en-US" smtClean="0"/>
-              <a:t>5/16/2017</a:t>
+              <a:t>7/13/2017</a:t>
             </a:fld>
             <a:endParaRPr lang="en-US"/>
           </a:p>
@@ -3020,17 +3024,16 @@
           <a:p>
             <a:pPr algn="ctr"/>
             <a:r>
-              <a:rPr lang="en-US" sz="7200" dirty="0" smtClean="0"/>
+              <a:rPr lang="en-US" sz="7200" dirty="0"/>
               <a:t>Cypress Academy</a:t>
             </a:r>
           </a:p>
           <a:p>
             <a:pPr algn="ctr"/>
             <a:r>
-              <a:rPr lang="en-US" sz="7200" dirty="0" smtClean="0"/>
+              <a:rPr lang="en-US" sz="7200" dirty="0"/>
               <a:t>WICED Wi-Fi 101</a:t>
             </a:r>
-            <a:endParaRPr lang="en-US" sz="7200" dirty="0"/>
           </a:p>
         </p:txBody>
       </p:sp>
@@ -3058,38 +3061,37 @@
           <a:p>
             <a:pPr algn="ctr"/>
             <a:r>
-              <a:rPr lang="en-US" sz="2400" dirty="0" smtClean="0"/>
+              <a:rPr lang="en-US" sz="2400" dirty="0"/>
               <a:t>Alan Hawse</a:t>
             </a:r>
           </a:p>
           <a:p>
             <a:pPr algn="ctr"/>
             <a:r>
-              <a:rPr lang="en-US" sz="2400" dirty="0" smtClean="0"/>
+              <a:rPr lang="en-US" sz="2400" dirty="0"/>
               <a:t>Greg Landry</a:t>
             </a:r>
           </a:p>
           <a:p>
             <a:pPr algn="ctr"/>
             <a:r>
-              <a:rPr lang="en-US" sz="2400" dirty="0" smtClean="0"/>
+              <a:rPr lang="en-US" sz="2400" dirty="0"/>
               <a:t>Mike Noel</a:t>
             </a:r>
           </a:p>
           <a:p>
             <a:pPr algn="ctr"/>
             <a:r>
-              <a:rPr lang="en-US" sz="2400" dirty="0" smtClean="0"/>
+              <a:rPr lang="en-US" sz="2400" dirty="0"/>
               <a:t>James Dougherty</a:t>
             </a:r>
           </a:p>
           <a:p>
             <a:pPr algn="ctr"/>
             <a:r>
-              <a:rPr lang="en-US" sz="2400" dirty="0" smtClean="0"/>
+              <a:rPr lang="en-US" sz="2400" dirty="0"/>
               <a:t>Vikram Ramanna</a:t>
             </a:r>
-            <a:endParaRPr lang="en-US" sz="2400" dirty="0"/>
           </a:p>
         </p:txBody>
       </p:sp>
@@ -3103,13 +3105,6 @@
   <p:clrMapOvr>
     <a:masterClrMapping/>
   </p:clrMapOvr>
-  <p:timing>
-    <p:tnLst>
-      <p:par>
-        <p:cTn id="1" dur="indefinite" restart="never" nodeType="tmRoot"/>
-      </p:par>
-    </p:tnLst>
-  </p:timing>
 </p:sld>
 </file>
 
@@ -3154,11 +3149,11 @@
           <a:p>
             <a:pPr algn="ctr"/>
             <a:r>
-              <a:rPr lang="en-US" b="1" dirty="0" smtClean="0"/>
+              <a:rPr lang="en-US" b="1" dirty="0"/>
               <a:t>WPA2</a:t>
             </a:r>
             <a:r>
-              <a:rPr lang="en-US" dirty="0" smtClean="0"/>
+              <a:rPr lang="en-US" dirty="0"/>
               <a:t> SSID = WW101WPA PW = cypresswicedwifi101</a:t>
             </a:r>
           </a:p>
@@ -3187,7 +3182,7 @@
           <a:lstStyle/>
           <a:p>
             <a:r>
-              <a:rPr lang="en-US" sz="1600" dirty="0" smtClean="0"/>
+              <a:rPr lang="en-US" sz="1600" dirty="0"/>
               <a:t>Trouble Shooting Guide: </a:t>
             </a:r>
           </a:p>
@@ -3196,84 +3191,84 @@
           </a:p>
           <a:p>
             <a:r>
-              <a:rPr lang="en-US" sz="1600" dirty="0" smtClean="0"/>
+              <a:rPr lang="en-US" sz="1600" dirty="0"/>
               <a:t>Did you SAVE before you ran Make</a:t>
             </a:r>
           </a:p>
           <a:p>
             <a:r>
-              <a:rPr lang="en-US" sz="1600" dirty="0" smtClean="0"/>
+              <a:rPr lang="en-US" sz="1600" dirty="0"/>
               <a:t>Did you call </a:t>
             </a:r>
             <a:r>
-              <a:rPr lang="en-US" sz="1600" dirty="0" err="1" smtClean="0"/>
+              <a:rPr lang="en-US" sz="1600" dirty="0" err="1"/>
               <a:t>wiced_init</a:t>
             </a:r>
             <a:r>
-              <a:rPr lang="en-US" sz="1600" dirty="0" smtClean="0"/>
-              <a:t> before any other </a:t>
-            </a:r>
-            <a:r>
-              <a:rPr lang="en-US" sz="1600" smtClean="0"/>
-              <a:t>WICEDfunction</a:t>
-            </a:r>
-            <a:endParaRPr lang="en-US" sz="1600" dirty="0" smtClean="0"/>
-          </a:p>
-          <a:p>
-            <a:r>
-              <a:rPr lang="en-US" sz="1600" dirty="0" smtClean="0"/>
+              <a:rPr lang="en-US" sz="1600" dirty="0"/>
+              <a:t> before any </a:t>
+            </a:r>
+            <a:r>
+              <a:rPr lang="en-US" sz="1600"/>
+              <a:t>other WICED function</a:t>
+            </a:r>
+            <a:endParaRPr lang="en-US" sz="1600" dirty="0"/>
+          </a:p>
+          <a:p>
+            <a:r>
+              <a:rPr lang="en-US" sz="1600" dirty="0"/>
               <a:t>Did you call the </a:t>
             </a:r>
             <a:r>
-              <a:rPr lang="en-US" sz="1600" dirty="0" err="1" smtClean="0"/>
+              <a:rPr lang="en-US" sz="1600" dirty="0" err="1"/>
               <a:t>init</a:t>
             </a:r>
             <a:r>
-              <a:rPr lang="en-US" sz="1600" dirty="0" smtClean="0"/>
+              <a:rPr lang="en-US" sz="1600" dirty="0"/>
               <a:t> function for each peripheral used</a:t>
             </a:r>
           </a:p>
           <a:p>
             <a:r>
-              <a:rPr lang="en-US" sz="1600" dirty="0" smtClean="0"/>
+              <a:rPr lang="en-US" sz="1600" dirty="0"/>
               <a:t>Do the project folder, C file, and make file all have the same name</a:t>
             </a:r>
           </a:p>
           <a:p>
             <a:r>
-              <a:rPr lang="en-US" sz="1600" dirty="0" smtClean="0"/>
+              <a:rPr lang="en-US" sz="1600" dirty="0"/>
               <a:t>Is the APP NAME in the make file unique</a:t>
             </a:r>
           </a:p>
           <a:p>
             <a:r>
-              <a:rPr lang="en-US" sz="1600" dirty="0" smtClean="0"/>
+              <a:rPr lang="en-US" sz="1600" dirty="0"/>
               <a:t>Did you clean after modifying certificates</a:t>
             </a:r>
           </a:p>
           <a:p>
             <a:r>
-              <a:rPr lang="en-US" sz="1600" dirty="0" smtClean="0"/>
+              <a:rPr lang="en-US" sz="1600" dirty="0"/>
               <a:t>Did you call </a:t>
             </a:r>
             <a:r>
-              <a:rPr lang="en-US" sz="1600" dirty="0" err="1" smtClean="0"/>
+              <a:rPr lang="en-US" sz="1600" dirty="0" err="1"/>
               <a:t>wiced_network_up</a:t>
             </a:r>
             <a:r>
-              <a:rPr lang="en-US" sz="1600" dirty="0" smtClean="0"/>
+              <a:rPr lang="en-US" sz="1600" dirty="0"/>
               <a:t> before any network activities</a:t>
             </a:r>
           </a:p>
           <a:p>
             <a:r>
-              <a:rPr lang="en-US" sz="1600" dirty="0" smtClean="0"/>
+              <a:rPr lang="en-US" sz="1600" dirty="0"/>
               <a:t>Did you create all structures before referencing them in function calls</a:t>
             </a:r>
           </a:p>
           <a:p>
             <a:r>
-              <a:rPr lang="en-US" sz="1600" dirty="0" smtClean="0"/>
+              <a:rPr lang="en-US" sz="1600" dirty="0"/>
               <a:t>Did you use WPRINT_APP_INFO for debugging (e.g. WICED return codes)</a:t>
             </a:r>
           </a:p>
@@ -3303,7 +3298,7 @@
           <a:p>
             <a:pPr algn="ctr"/>
             <a:r>
-              <a:rPr lang="en-US" dirty="0" smtClean="0"/>
+              <a:rPr lang="en-US" dirty="0"/>
               <a:t>wwep.ww101.cypress.com IP Address = 198.51.100.3</a:t>
             </a:r>
           </a:p>
@@ -3338,13 +3333,8 @@
             </a:r>
             <a:r>
               <a:rPr lang="en-US" dirty="0"/>
-              <a:t>: </a:t>
-            </a:r>
-            <a:r>
-              <a:rPr lang="en-US" dirty="0" smtClean="0"/>
-              <a:t>198.51.100.0/24</a:t>
-            </a:r>
-            <a:endParaRPr lang="en-US" dirty="0"/>
+              <a:t>: 198.51.100.0/24</a:t>
+            </a:r>
           </a:p>
           <a:p>
             <a:pPr algn="ctr"/>
@@ -3401,11 +3391,7 @@
           <a:p>
             <a:r>
               <a:rPr lang="en-US" sz="1050"/>
-              <a:t>v</a:t>
-            </a:r>
-            <a:r>
-              <a:rPr lang="en-US" sz="1050" smtClean="0"/>
-              <a:t>ersion 1.2</a:t>
+              <a:t>version 1.2</a:t>
             </a:r>
             <a:endParaRPr lang="en-US" sz="1050" dirty="0"/>
           </a:p>
@@ -3421,13 +3407,6 @@
   <p:clrMapOvr>
     <a:masterClrMapping/>
   </p:clrMapOvr>
-  <p:timing>
-    <p:tnLst>
-      <p:par>
-        <p:cTn id="1" dur="indefinite" restart="never" nodeType="tmRoot"/>
-      </p:par>
-    </p:tnLst>
-  </p:timing>
 </p:sld>
 </file>
 

--- a/labmanual/English/WW101-Binder-Cover.pptx
+++ b/labmanual/English/WW101-Binder-Cover.pptx
@@ -248,7 +248,7 @@
           <a:p>
             <a:fld id="{FD9117CB-CD87-A145-B0DD-B1FF23D56DC0}" type="datetimeFigureOut">
               <a:rPr lang="en-US" smtClean="0"/>
-              <a:t>7/13/2017</a:t>
+              <a:t>7/19/2017</a:t>
             </a:fld>
             <a:endParaRPr lang="en-US"/>
           </a:p>
@@ -418,7 +418,7 @@
           <a:p>
             <a:fld id="{FD9117CB-CD87-A145-B0DD-B1FF23D56DC0}" type="datetimeFigureOut">
               <a:rPr lang="en-US" smtClean="0"/>
-              <a:t>7/13/2017</a:t>
+              <a:t>7/19/2017</a:t>
             </a:fld>
             <a:endParaRPr lang="en-US"/>
           </a:p>
@@ -598,7 +598,7 @@
           <a:p>
             <a:fld id="{FD9117CB-CD87-A145-B0DD-B1FF23D56DC0}" type="datetimeFigureOut">
               <a:rPr lang="en-US" smtClean="0"/>
-              <a:t>7/13/2017</a:t>
+              <a:t>7/19/2017</a:t>
             </a:fld>
             <a:endParaRPr lang="en-US"/>
           </a:p>
@@ -768,7 +768,7 @@
           <a:p>
             <a:fld id="{FD9117CB-CD87-A145-B0DD-B1FF23D56DC0}" type="datetimeFigureOut">
               <a:rPr lang="en-US" smtClean="0"/>
-              <a:t>7/13/2017</a:t>
+              <a:t>7/19/2017</a:t>
             </a:fld>
             <a:endParaRPr lang="en-US"/>
           </a:p>
@@ -1012,7 +1012,7 @@
           <a:p>
             <a:fld id="{FD9117CB-CD87-A145-B0DD-B1FF23D56DC0}" type="datetimeFigureOut">
               <a:rPr lang="en-US" smtClean="0"/>
-              <a:t>7/13/2017</a:t>
+              <a:t>7/19/2017</a:t>
             </a:fld>
             <a:endParaRPr lang="en-US"/>
           </a:p>
@@ -1244,7 +1244,7 @@
           <a:p>
             <a:fld id="{FD9117CB-CD87-A145-B0DD-B1FF23D56DC0}" type="datetimeFigureOut">
               <a:rPr lang="en-US" smtClean="0"/>
-              <a:t>7/13/2017</a:t>
+              <a:t>7/19/2017</a:t>
             </a:fld>
             <a:endParaRPr lang="en-US"/>
           </a:p>
@@ -1611,7 +1611,7 @@
           <a:p>
             <a:fld id="{FD9117CB-CD87-A145-B0DD-B1FF23D56DC0}" type="datetimeFigureOut">
               <a:rPr lang="en-US" smtClean="0"/>
-              <a:t>7/13/2017</a:t>
+              <a:t>7/19/2017</a:t>
             </a:fld>
             <a:endParaRPr lang="en-US"/>
           </a:p>
@@ -1729,7 +1729,7 @@
           <a:p>
             <a:fld id="{FD9117CB-CD87-A145-B0DD-B1FF23D56DC0}" type="datetimeFigureOut">
               <a:rPr lang="en-US" smtClean="0"/>
-              <a:t>7/13/2017</a:t>
+              <a:t>7/19/2017</a:t>
             </a:fld>
             <a:endParaRPr lang="en-US"/>
           </a:p>
@@ -1824,7 +1824,7 @@
           <a:p>
             <a:fld id="{FD9117CB-CD87-A145-B0DD-B1FF23D56DC0}" type="datetimeFigureOut">
               <a:rPr lang="en-US" smtClean="0"/>
-              <a:t>7/13/2017</a:t>
+              <a:t>7/19/2017</a:t>
             </a:fld>
             <a:endParaRPr lang="en-US"/>
           </a:p>
@@ -2101,7 +2101,7 @@
           <a:p>
             <a:fld id="{FD9117CB-CD87-A145-B0DD-B1FF23D56DC0}" type="datetimeFigureOut">
               <a:rPr lang="en-US" smtClean="0"/>
-              <a:t>7/13/2017</a:t>
+              <a:t>7/19/2017</a:t>
             </a:fld>
             <a:endParaRPr lang="en-US"/>
           </a:p>
@@ -2358,7 +2358,7 @@
           <a:p>
             <a:fld id="{FD9117CB-CD87-A145-B0DD-B1FF23D56DC0}" type="datetimeFigureOut">
               <a:rPr lang="en-US" smtClean="0"/>
-              <a:t>7/13/2017</a:t>
+              <a:t>7/19/2017</a:t>
             </a:fld>
             <a:endParaRPr lang="en-US"/>
           </a:p>
@@ -2571,7 +2571,7 @@
           <a:p>
             <a:fld id="{FD9117CB-CD87-A145-B0DD-B1FF23D56DC0}" type="datetimeFigureOut">
               <a:rPr lang="en-US" smtClean="0"/>
-              <a:t>7/13/2017</a:t>
+              <a:t>7/19/2017</a:t>
             </a:fld>
             <a:endParaRPr lang="en-US"/>
           </a:p>
@@ -3095,6 +3095,41 @@
           </a:p>
         </p:txBody>
       </p:sp>
+      <p:sp>
+        <p:nvSpPr>
+          <p:cNvPr id="7" name="TextBox 6">
+            <a:extLst>
+              <a:ext uri="{FF2B5EF4-FFF2-40B4-BE49-F238E27FC236}">
+                <a16:creationId xmlns:a16="http://schemas.microsoft.com/office/drawing/2014/main" id="{31C725C4-0D41-45F5-B805-41EF749983A1}"/>
+              </a:ext>
+            </a:extLst>
+          </p:cNvPr>
+          <p:cNvSpPr txBox="1"/>
+          <p:nvPr/>
+        </p:nvSpPr>
+        <p:spPr>
+          <a:xfrm>
+            <a:off x="6036493" y="8812800"/>
+            <a:ext cx="801823" cy="253916"/>
+          </a:xfrm>
+          <a:prstGeom prst="rect">
+            <a:avLst/>
+          </a:prstGeom>
+          <a:noFill/>
+        </p:spPr>
+        <p:txBody>
+          <a:bodyPr wrap="none" rtlCol="0">
+            <a:spAutoFit/>
+          </a:bodyPr>
+          <a:lstStyle/>
+          <a:p>
+            <a:r>
+              <a:rPr lang="en-US" sz="1050" dirty="0"/>
+              <a:t>Version 1.3</a:t>
+            </a:r>
+          </a:p>
+        </p:txBody>
+      </p:sp>
     </p:spTree>
     <p:extLst>
       <p:ext uri="{BB962C8B-B14F-4D97-AF65-F5344CB8AC3E}">
@@ -3364,36 +3399,6 @@
               <a:t>DNS2: 8.8.4.4</a:t>
             </a:r>
             <a:endParaRPr lang="en-US" dirty="0"/>
-          </a:p>
-        </p:txBody>
-      </p:sp>
-      <p:sp>
-        <p:nvSpPr>
-          <p:cNvPr id="8" name="TextBox 7"/>
-          <p:cNvSpPr txBox="1"/>
-          <p:nvPr/>
-        </p:nvSpPr>
-        <p:spPr>
-          <a:xfrm>
-            <a:off x="6036493" y="8812800"/>
-            <a:ext cx="785793" cy="253916"/>
-          </a:xfrm>
-          <a:prstGeom prst="rect">
-            <a:avLst/>
-          </a:prstGeom>
-          <a:noFill/>
-        </p:spPr>
-        <p:txBody>
-          <a:bodyPr wrap="none" rtlCol="0">
-            <a:spAutoFit/>
-          </a:bodyPr>
-          <a:lstStyle/>
-          <a:p>
-            <a:r>
-              <a:rPr lang="en-US" sz="1050"/>
-              <a:t>version 1.2</a:t>
-            </a:r>
-            <a:endParaRPr lang="en-US" sz="1050" dirty="0"/>
           </a:p>
         </p:txBody>
       </p:sp>

--- a/labmanual/English/WW101-Binder-Cover.pptx
+++ b/labmanual/English/WW101-Binder-Cover.pptx
@@ -248,7 +248,7 @@
           <a:p>
             <a:fld id="{FD9117CB-CD87-A145-B0DD-B1FF23D56DC0}" type="datetimeFigureOut">
               <a:rPr lang="en-US" smtClean="0"/>
-              <a:t>7/19/2017</a:t>
+              <a:t>8/29/2017</a:t>
             </a:fld>
             <a:endParaRPr lang="en-US"/>
           </a:p>
@@ -418,7 +418,7 @@
           <a:p>
             <a:fld id="{FD9117CB-CD87-A145-B0DD-B1FF23D56DC0}" type="datetimeFigureOut">
               <a:rPr lang="en-US" smtClean="0"/>
-              <a:t>7/19/2017</a:t>
+              <a:t>8/29/2017</a:t>
             </a:fld>
             <a:endParaRPr lang="en-US"/>
           </a:p>
@@ -598,7 +598,7 @@
           <a:p>
             <a:fld id="{FD9117CB-CD87-A145-B0DD-B1FF23D56DC0}" type="datetimeFigureOut">
               <a:rPr lang="en-US" smtClean="0"/>
-              <a:t>7/19/2017</a:t>
+              <a:t>8/29/2017</a:t>
             </a:fld>
             <a:endParaRPr lang="en-US"/>
           </a:p>
@@ -768,7 +768,7 @@
           <a:p>
             <a:fld id="{FD9117CB-CD87-A145-B0DD-B1FF23D56DC0}" type="datetimeFigureOut">
               <a:rPr lang="en-US" smtClean="0"/>
-              <a:t>7/19/2017</a:t>
+              <a:t>8/29/2017</a:t>
             </a:fld>
             <a:endParaRPr lang="en-US"/>
           </a:p>
@@ -1012,7 +1012,7 @@
           <a:p>
             <a:fld id="{FD9117CB-CD87-A145-B0DD-B1FF23D56DC0}" type="datetimeFigureOut">
               <a:rPr lang="en-US" smtClean="0"/>
-              <a:t>7/19/2017</a:t>
+              <a:t>8/29/2017</a:t>
             </a:fld>
             <a:endParaRPr lang="en-US"/>
           </a:p>
@@ -1244,7 +1244,7 @@
           <a:p>
             <a:fld id="{FD9117CB-CD87-A145-B0DD-B1FF23D56DC0}" type="datetimeFigureOut">
               <a:rPr lang="en-US" smtClean="0"/>
-              <a:t>7/19/2017</a:t>
+              <a:t>8/29/2017</a:t>
             </a:fld>
             <a:endParaRPr lang="en-US"/>
           </a:p>
@@ -1611,7 +1611,7 @@
           <a:p>
             <a:fld id="{FD9117CB-CD87-A145-B0DD-B1FF23D56DC0}" type="datetimeFigureOut">
               <a:rPr lang="en-US" smtClean="0"/>
-              <a:t>7/19/2017</a:t>
+              <a:t>8/29/2017</a:t>
             </a:fld>
             <a:endParaRPr lang="en-US"/>
           </a:p>
@@ -1729,7 +1729,7 @@
           <a:p>
             <a:fld id="{FD9117CB-CD87-A145-B0DD-B1FF23D56DC0}" type="datetimeFigureOut">
               <a:rPr lang="en-US" smtClean="0"/>
-              <a:t>7/19/2017</a:t>
+              <a:t>8/29/2017</a:t>
             </a:fld>
             <a:endParaRPr lang="en-US"/>
           </a:p>
@@ -1824,7 +1824,7 @@
           <a:p>
             <a:fld id="{FD9117CB-CD87-A145-B0DD-B1FF23D56DC0}" type="datetimeFigureOut">
               <a:rPr lang="en-US" smtClean="0"/>
-              <a:t>7/19/2017</a:t>
+              <a:t>8/29/2017</a:t>
             </a:fld>
             <a:endParaRPr lang="en-US"/>
           </a:p>
@@ -2101,7 +2101,7 @@
           <a:p>
             <a:fld id="{FD9117CB-CD87-A145-B0DD-B1FF23D56DC0}" type="datetimeFigureOut">
               <a:rPr lang="en-US" smtClean="0"/>
-              <a:t>7/19/2017</a:t>
+              <a:t>8/29/2017</a:t>
             </a:fld>
             <a:endParaRPr lang="en-US"/>
           </a:p>
@@ -2358,7 +2358,7 @@
           <a:p>
             <a:fld id="{FD9117CB-CD87-A145-B0DD-B1FF23D56DC0}" type="datetimeFigureOut">
               <a:rPr lang="en-US" smtClean="0"/>
-              <a:t>7/19/2017</a:t>
+              <a:t>8/29/2017</a:t>
             </a:fld>
             <a:endParaRPr lang="en-US"/>
           </a:p>
@@ -2571,7 +2571,7 @@
           <a:p>
             <a:fld id="{FD9117CB-CD87-A145-B0DD-B1FF23D56DC0}" type="datetimeFigureOut">
               <a:rPr lang="en-US" smtClean="0"/>
-              <a:t>7/19/2017</a:t>
+              <a:t>8/29/2017</a:t>
             </a:fld>
             <a:endParaRPr lang="en-US"/>
           </a:p>
@@ -3124,9 +3124,10 @@
           <a:lstStyle/>
           <a:p>
             <a:r>
-              <a:rPr lang="en-US" sz="1050" dirty="0"/>
-              <a:t>Version 1.3</a:t>
-            </a:r>
+              <a:rPr lang="en-US" sz="1050"/>
+              <a:t>Version 1.4</a:t>
+            </a:r>
+            <a:endParaRPr lang="en-US" sz="1050" dirty="0"/>
           </a:p>
         </p:txBody>
       </p:sp>

--- a/labmanual/English/WW101-Binder-Cover.pptx
+++ b/labmanual/English/WW101-Binder-Cover.pptx
@@ -248,7 +248,7 @@
           <a:p>
             <a:fld id="{FD9117CB-CD87-A145-B0DD-B1FF23D56DC0}" type="datetimeFigureOut">
               <a:rPr lang="en-US" smtClean="0"/>
-              <a:t>8/29/2017</a:t>
+              <a:t>9/11/2017</a:t>
             </a:fld>
             <a:endParaRPr lang="en-US"/>
           </a:p>
@@ -418,7 +418,7 @@
           <a:p>
             <a:fld id="{FD9117CB-CD87-A145-B0DD-B1FF23D56DC0}" type="datetimeFigureOut">
               <a:rPr lang="en-US" smtClean="0"/>
-              <a:t>8/29/2017</a:t>
+              <a:t>9/11/2017</a:t>
             </a:fld>
             <a:endParaRPr lang="en-US"/>
           </a:p>
@@ -598,7 +598,7 @@
           <a:p>
             <a:fld id="{FD9117CB-CD87-A145-B0DD-B1FF23D56DC0}" type="datetimeFigureOut">
               <a:rPr lang="en-US" smtClean="0"/>
-              <a:t>8/29/2017</a:t>
+              <a:t>9/11/2017</a:t>
             </a:fld>
             <a:endParaRPr lang="en-US"/>
           </a:p>
@@ -768,7 +768,7 @@
           <a:p>
             <a:fld id="{FD9117CB-CD87-A145-B0DD-B1FF23D56DC0}" type="datetimeFigureOut">
               <a:rPr lang="en-US" smtClean="0"/>
-              <a:t>8/29/2017</a:t>
+              <a:t>9/11/2017</a:t>
             </a:fld>
             <a:endParaRPr lang="en-US"/>
           </a:p>
@@ -1012,7 +1012,7 @@
           <a:p>
             <a:fld id="{FD9117CB-CD87-A145-B0DD-B1FF23D56DC0}" type="datetimeFigureOut">
               <a:rPr lang="en-US" smtClean="0"/>
-              <a:t>8/29/2017</a:t>
+              <a:t>9/11/2017</a:t>
             </a:fld>
             <a:endParaRPr lang="en-US"/>
           </a:p>
@@ -1244,7 +1244,7 @@
           <a:p>
             <a:fld id="{FD9117CB-CD87-A145-B0DD-B1FF23D56DC0}" type="datetimeFigureOut">
               <a:rPr lang="en-US" smtClean="0"/>
-              <a:t>8/29/2017</a:t>
+              <a:t>9/11/2017</a:t>
             </a:fld>
             <a:endParaRPr lang="en-US"/>
           </a:p>
@@ -1611,7 +1611,7 @@
           <a:p>
             <a:fld id="{FD9117CB-CD87-A145-B0DD-B1FF23D56DC0}" type="datetimeFigureOut">
               <a:rPr lang="en-US" smtClean="0"/>
-              <a:t>8/29/2017</a:t>
+              <a:t>9/11/2017</a:t>
             </a:fld>
             <a:endParaRPr lang="en-US"/>
           </a:p>
@@ -1729,7 +1729,7 @@
           <a:p>
             <a:fld id="{FD9117CB-CD87-A145-B0DD-B1FF23D56DC0}" type="datetimeFigureOut">
               <a:rPr lang="en-US" smtClean="0"/>
-              <a:t>8/29/2017</a:t>
+              <a:t>9/11/2017</a:t>
             </a:fld>
             <a:endParaRPr lang="en-US"/>
           </a:p>
@@ -1824,7 +1824,7 @@
           <a:p>
             <a:fld id="{FD9117CB-CD87-A145-B0DD-B1FF23D56DC0}" type="datetimeFigureOut">
               <a:rPr lang="en-US" smtClean="0"/>
-              <a:t>8/29/2017</a:t>
+              <a:t>9/11/2017</a:t>
             </a:fld>
             <a:endParaRPr lang="en-US"/>
           </a:p>
@@ -2101,7 +2101,7 @@
           <a:p>
             <a:fld id="{FD9117CB-CD87-A145-B0DD-B1FF23D56DC0}" type="datetimeFigureOut">
               <a:rPr lang="en-US" smtClean="0"/>
-              <a:t>8/29/2017</a:t>
+              <a:t>9/11/2017</a:t>
             </a:fld>
             <a:endParaRPr lang="en-US"/>
           </a:p>
@@ -2358,7 +2358,7 @@
           <a:p>
             <a:fld id="{FD9117CB-CD87-A145-B0DD-B1FF23D56DC0}" type="datetimeFigureOut">
               <a:rPr lang="en-US" smtClean="0"/>
-              <a:t>8/29/2017</a:t>
+              <a:t>9/11/2017</a:t>
             </a:fld>
             <a:endParaRPr lang="en-US"/>
           </a:p>
@@ -2571,7 +2571,7 @@
           <a:p>
             <a:fld id="{FD9117CB-CD87-A145-B0DD-B1FF23D56DC0}" type="datetimeFigureOut">
               <a:rPr lang="en-US" smtClean="0"/>
-              <a:t>8/29/2017</a:t>
+              <a:t>9/11/2017</a:t>
             </a:fld>
             <a:endParaRPr lang="en-US"/>
           </a:p>
@@ -3125,7 +3125,7 @@
           <a:p>
             <a:r>
               <a:rPr lang="en-US" sz="1050"/>
-              <a:t>Version 1.4</a:t>
+              <a:t>Version 2.0</a:t>
             </a:r>
             <a:endParaRPr lang="en-US" sz="1050" dirty="0"/>
           </a:p>

--- a/labmanual/English/WW101-Binder-Cover.pptx
+++ b/labmanual/English/WW101-Binder-Cover.pptx
@@ -248,7 +248,7 @@
           <a:p>
             <a:fld id="{FD9117CB-CD87-A145-B0DD-B1FF23D56DC0}" type="datetimeFigureOut">
               <a:rPr lang="en-US" smtClean="0"/>
-              <a:t>9/11/2017</a:t>
+              <a:t>9/21/2017</a:t>
             </a:fld>
             <a:endParaRPr lang="en-US"/>
           </a:p>
@@ -418,7 +418,7 @@
           <a:p>
             <a:fld id="{FD9117CB-CD87-A145-B0DD-B1FF23D56DC0}" type="datetimeFigureOut">
               <a:rPr lang="en-US" smtClean="0"/>
-              <a:t>9/11/2017</a:t>
+              <a:t>9/21/2017</a:t>
             </a:fld>
             <a:endParaRPr lang="en-US"/>
           </a:p>
@@ -598,7 +598,7 @@
           <a:p>
             <a:fld id="{FD9117CB-CD87-A145-B0DD-B1FF23D56DC0}" type="datetimeFigureOut">
               <a:rPr lang="en-US" smtClean="0"/>
-              <a:t>9/11/2017</a:t>
+              <a:t>9/21/2017</a:t>
             </a:fld>
             <a:endParaRPr lang="en-US"/>
           </a:p>
@@ -768,7 +768,7 @@
           <a:p>
             <a:fld id="{FD9117CB-CD87-A145-B0DD-B1FF23D56DC0}" type="datetimeFigureOut">
               <a:rPr lang="en-US" smtClean="0"/>
-              <a:t>9/11/2017</a:t>
+              <a:t>9/21/2017</a:t>
             </a:fld>
             <a:endParaRPr lang="en-US"/>
           </a:p>
@@ -1012,7 +1012,7 @@
           <a:p>
             <a:fld id="{FD9117CB-CD87-A145-B0DD-B1FF23D56DC0}" type="datetimeFigureOut">
               <a:rPr lang="en-US" smtClean="0"/>
-              <a:t>9/11/2017</a:t>
+              <a:t>9/21/2017</a:t>
             </a:fld>
             <a:endParaRPr lang="en-US"/>
           </a:p>
@@ -1244,7 +1244,7 @@
           <a:p>
             <a:fld id="{FD9117CB-CD87-A145-B0DD-B1FF23D56DC0}" type="datetimeFigureOut">
               <a:rPr lang="en-US" smtClean="0"/>
-              <a:t>9/11/2017</a:t>
+              <a:t>9/21/2017</a:t>
             </a:fld>
             <a:endParaRPr lang="en-US"/>
           </a:p>
@@ -1611,7 +1611,7 @@
           <a:p>
             <a:fld id="{FD9117CB-CD87-A145-B0DD-B1FF23D56DC0}" type="datetimeFigureOut">
               <a:rPr lang="en-US" smtClean="0"/>
-              <a:t>9/11/2017</a:t>
+              <a:t>9/21/2017</a:t>
             </a:fld>
             <a:endParaRPr lang="en-US"/>
           </a:p>
@@ -1729,7 +1729,7 @@
           <a:p>
             <a:fld id="{FD9117CB-CD87-A145-B0DD-B1FF23D56DC0}" type="datetimeFigureOut">
               <a:rPr lang="en-US" smtClean="0"/>
-              <a:t>9/11/2017</a:t>
+              <a:t>9/21/2017</a:t>
             </a:fld>
             <a:endParaRPr lang="en-US"/>
           </a:p>
@@ -1824,7 +1824,7 @@
           <a:p>
             <a:fld id="{FD9117CB-CD87-A145-B0DD-B1FF23D56DC0}" type="datetimeFigureOut">
               <a:rPr lang="en-US" smtClean="0"/>
-              <a:t>9/11/2017</a:t>
+              <a:t>9/21/2017</a:t>
             </a:fld>
             <a:endParaRPr lang="en-US"/>
           </a:p>
@@ -2101,7 +2101,7 @@
           <a:p>
             <a:fld id="{FD9117CB-CD87-A145-B0DD-B1FF23D56DC0}" type="datetimeFigureOut">
               <a:rPr lang="en-US" smtClean="0"/>
-              <a:t>9/11/2017</a:t>
+              <a:t>9/21/2017</a:t>
             </a:fld>
             <a:endParaRPr lang="en-US"/>
           </a:p>
@@ -2358,7 +2358,7 @@
           <a:p>
             <a:fld id="{FD9117CB-CD87-A145-B0DD-B1FF23D56DC0}" type="datetimeFigureOut">
               <a:rPr lang="en-US" smtClean="0"/>
-              <a:t>9/11/2017</a:t>
+              <a:t>9/21/2017</a:t>
             </a:fld>
             <a:endParaRPr lang="en-US"/>
           </a:p>
@@ -2571,7 +2571,7 @@
           <a:p>
             <a:fld id="{FD9117CB-CD87-A145-B0DD-B1FF23D56DC0}" type="datetimeFigureOut">
               <a:rPr lang="en-US" smtClean="0"/>
-              <a:t>9/11/2017</a:t>
+              <a:t>9/21/2017</a:t>
             </a:fld>
             <a:endParaRPr lang="en-US"/>
           </a:p>
@@ -3124,10 +3124,9 @@
           <a:lstStyle/>
           <a:p>
             <a:r>
-              <a:rPr lang="en-US" sz="1050"/>
-              <a:t>Version 2.0</a:t>
-            </a:r>
-            <a:endParaRPr lang="en-US" sz="1050" dirty="0"/>
+              <a:rPr lang="en-US" sz="1050" dirty="0"/>
+              <a:t>Version 2.1</a:t>
+            </a:r>
           </a:p>
         </p:txBody>
       </p:sp>

--- a/labmanual/English/WW101-Binder-Cover.pptx
+++ b/labmanual/English/WW101-Binder-Cover.pptx
@@ -9,7 +9,7 @@
     <p:sldId id="257" r:id="rId3"/>
   </p:sldIdLst>
   <p:sldSz cx="6858000" cy="9144000" type="letter"/>
-  <p:notesSz cx="6858000" cy="9144000"/>
+  <p:notesSz cx="6858000" cy="9296400"/>
   <p:defaultTextStyle>
     <a:defPPr>
       <a:defRPr lang="en-US"/>
@@ -248,7 +248,7 @@
           <a:p>
             <a:fld id="{FD9117CB-CD87-A145-B0DD-B1FF23D56DC0}" type="datetimeFigureOut">
               <a:rPr lang="en-US" smtClean="0"/>
-              <a:t>9/21/2017</a:t>
+              <a:t>10/25/2017</a:t>
             </a:fld>
             <a:endParaRPr lang="en-US"/>
           </a:p>
@@ -418,7 +418,7 @@
           <a:p>
             <a:fld id="{FD9117CB-CD87-A145-B0DD-B1FF23D56DC0}" type="datetimeFigureOut">
               <a:rPr lang="en-US" smtClean="0"/>
-              <a:t>9/21/2017</a:t>
+              <a:t>10/25/2017</a:t>
             </a:fld>
             <a:endParaRPr lang="en-US"/>
           </a:p>
@@ -598,7 +598,7 @@
           <a:p>
             <a:fld id="{FD9117CB-CD87-A145-B0DD-B1FF23D56DC0}" type="datetimeFigureOut">
               <a:rPr lang="en-US" smtClean="0"/>
-              <a:t>9/21/2017</a:t>
+              <a:t>10/25/2017</a:t>
             </a:fld>
             <a:endParaRPr lang="en-US"/>
           </a:p>
@@ -768,7 +768,7 @@
           <a:p>
             <a:fld id="{FD9117CB-CD87-A145-B0DD-B1FF23D56DC0}" type="datetimeFigureOut">
               <a:rPr lang="en-US" smtClean="0"/>
-              <a:t>9/21/2017</a:t>
+              <a:t>10/25/2017</a:t>
             </a:fld>
             <a:endParaRPr lang="en-US"/>
           </a:p>
@@ -1012,7 +1012,7 @@
           <a:p>
             <a:fld id="{FD9117CB-CD87-A145-B0DD-B1FF23D56DC0}" type="datetimeFigureOut">
               <a:rPr lang="en-US" smtClean="0"/>
-              <a:t>9/21/2017</a:t>
+              <a:t>10/25/2017</a:t>
             </a:fld>
             <a:endParaRPr lang="en-US"/>
           </a:p>
@@ -1244,7 +1244,7 @@
           <a:p>
             <a:fld id="{FD9117CB-CD87-A145-B0DD-B1FF23D56DC0}" type="datetimeFigureOut">
               <a:rPr lang="en-US" smtClean="0"/>
-              <a:t>9/21/2017</a:t>
+              <a:t>10/25/2017</a:t>
             </a:fld>
             <a:endParaRPr lang="en-US"/>
           </a:p>
@@ -1611,7 +1611,7 @@
           <a:p>
             <a:fld id="{FD9117CB-CD87-A145-B0DD-B1FF23D56DC0}" type="datetimeFigureOut">
               <a:rPr lang="en-US" smtClean="0"/>
-              <a:t>9/21/2017</a:t>
+              <a:t>10/25/2017</a:t>
             </a:fld>
             <a:endParaRPr lang="en-US"/>
           </a:p>
@@ -1729,7 +1729,7 @@
           <a:p>
             <a:fld id="{FD9117CB-CD87-A145-B0DD-B1FF23D56DC0}" type="datetimeFigureOut">
               <a:rPr lang="en-US" smtClean="0"/>
-              <a:t>9/21/2017</a:t>
+              <a:t>10/25/2017</a:t>
             </a:fld>
             <a:endParaRPr lang="en-US"/>
           </a:p>
@@ -1824,7 +1824,7 @@
           <a:p>
             <a:fld id="{FD9117CB-CD87-A145-B0DD-B1FF23D56DC0}" type="datetimeFigureOut">
               <a:rPr lang="en-US" smtClean="0"/>
-              <a:t>9/21/2017</a:t>
+              <a:t>10/25/2017</a:t>
             </a:fld>
             <a:endParaRPr lang="en-US"/>
           </a:p>
@@ -2101,7 +2101,7 @@
           <a:p>
             <a:fld id="{FD9117CB-CD87-A145-B0DD-B1FF23D56DC0}" type="datetimeFigureOut">
               <a:rPr lang="en-US" smtClean="0"/>
-              <a:t>9/21/2017</a:t>
+              <a:t>10/25/2017</a:t>
             </a:fld>
             <a:endParaRPr lang="en-US"/>
           </a:p>
@@ -2358,7 +2358,7 @@
           <a:p>
             <a:fld id="{FD9117CB-CD87-A145-B0DD-B1FF23D56DC0}" type="datetimeFigureOut">
               <a:rPr lang="en-US" smtClean="0"/>
-              <a:t>9/21/2017</a:t>
+              <a:t>10/25/2017</a:t>
             </a:fld>
             <a:endParaRPr lang="en-US"/>
           </a:p>
@@ -2571,7 +2571,7 @@
           <a:p>
             <a:fld id="{FD9117CB-CD87-A145-B0DD-B1FF23D56DC0}" type="datetimeFigureOut">
               <a:rPr lang="en-US" smtClean="0"/>
-              <a:t>9/21/2017</a:t>
+              <a:t>10/25/2017</a:t>
             </a:fld>
             <a:endParaRPr lang="en-US"/>
           </a:p>
@@ -3162,40 +3162,6 @@
       </p:grpSpPr>
       <p:sp>
         <p:nvSpPr>
-          <p:cNvPr id="2" name="TextBox 1"/>
-          <p:cNvSpPr txBox="1"/>
-          <p:nvPr/>
-        </p:nvSpPr>
-        <p:spPr>
-          <a:xfrm>
-            <a:off x="832268" y="1137463"/>
-            <a:ext cx="5184497" cy="369332"/>
-          </a:xfrm>
-          <a:prstGeom prst="rect">
-            <a:avLst/>
-          </a:prstGeom>
-          <a:noFill/>
-        </p:spPr>
-        <p:txBody>
-          <a:bodyPr wrap="none" rtlCol="0">
-            <a:spAutoFit/>
-          </a:bodyPr>
-          <a:lstStyle/>
-          <a:p>
-            <a:pPr algn="ctr"/>
-            <a:r>
-              <a:rPr lang="en-US" b="1" dirty="0"/>
-              <a:t>WPA2</a:t>
-            </a:r>
-            <a:r>
-              <a:rPr lang="en-US" dirty="0"/>
-              <a:t> SSID = WW101WPA PW = cypresswicedwifi101</a:t>
-            </a:r>
-          </a:p>
-        </p:txBody>
-      </p:sp>
-      <p:sp>
-        <p:nvSpPr>
           <p:cNvPr id="3" name="TextBox 2"/>
           <p:cNvSpPr txBox="1"/>
           <p:nvPr/>
@@ -3317,7 +3283,7 @@
         </p:nvSpPr>
         <p:spPr>
           <a:xfrm>
-            <a:off x="984451" y="1795344"/>
+            <a:off x="984451" y="2981047"/>
             <a:ext cx="5174943" cy="369332"/>
           </a:xfrm>
           <a:prstGeom prst="rect">
@@ -3347,7 +3313,7 @@
         </p:nvSpPr>
         <p:spPr>
           <a:xfrm>
-            <a:off x="2227419" y="2506907"/>
+            <a:off x="2096794" y="3602175"/>
             <a:ext cx="2689006" cy="1477328"/>
           </a:xfrm>
           <a:prstGeom prst="rect">
@@ -3375,14 +3341,30 @@
             <a:pPr algn="ctr"/>
             <a:r>
               <a:rPr lang="pl-PL" dirty="0"/>
-              <a:t>Gateway:198.51.100.1</a:t>
+              <a:t>Gateway:</a:t>
+            </a:r>
+            <a:r>
+              <a:rPr lang="en-US" dirty="0"/>
+              <a:t> </a:t>
+            </a:r>
+            <a:r>
+              <a:rPr lang="pl-PL" dirty="0"/>
+              <a:t>198.51.100.1</a:t>
             </a:r>
           </a:p>
           <a:p>
             <a:pPr algn="ctr"/>
             <a:r>
               <a:rPr lang="tr-TR" dirty="0"/>
-              <a:t>Netmask:255.255.255.0</a:t>
+              <a:t>Netmask:</a:t>
+            </a:r>
+            <a:r>
+              <a:rPr lang="en-US" dirty="0"/>
+              <a:t> </a:t>
+            </a:r>
+            <a:r>
+              <a:rPr lang="tr-TR" dirty="0"/>
+              <a:t>255.255.255.0</a:t>
             </a:r>
           </a:p>
           <a:p>
@@ -3399,6 +3381,58 @@
               <a:t>DNS2: 8.8.4.4</a:t>
             </a:r>
             <a:endParaRPr lang="en-US" dirty="0"/>
+          </a:p>
+        </p:txBody>
+      </p:sp>
+      <p:sp>
+        <p:nvSpPr>
+          <p:cNvPr id="5" name="Rectangle: Rounded Corners 4">
+            <a:extLst>
+              <a:ext uri="{FF2B5EF4-FFF2-40B4-BE49-F238E27FC236}">
+                <a16:creationId xmlns:a16="http://schemas.microsoft.com/office/drawing/2014/main" id="{96EA5AB6-AD4B-44A3-A89E-04C39981A554}"/>
+              </a:ext>
+            </a:extLst>
+          </p:cNvPr>
+          <p:cNvSpPr/>
+          <p:nvPr/>
+        </p:nvSpPr>
+        <p:spPr>
+          <a:xfrm>
+            <a:off x="2240784" y="1467059"/>
+            <a:ext cx="2461844" cy="914399"/>
+          </a:xfrm>
+          <a:prstGeom prst="roundRect">
+            <a:avLst/>
+          </a:prstGeom>
+          <a:noFill/>
+          <a:ln>
+            <a:solidFill>
+              <a:schemeClr val="tx1"/>
+            </a:solidFill>
+          </a:ln>
+        </p:spPr>
+        <p:style>
+          <a:lnRef idx="2">
+            <a:schemeClr val="accent1">
+              <a:shade val="50000"/>
+            </a:schemeClr>
+          </a:lnRef>
+          <a:fillRef idx="1">
+            <a:schemeClr val="accent1"/>
+          </a:fillRef>
+          <a:effectRef idx="0">
+            <a:schemeClr val="accent1"/>
+          </a:effectRef>
+          <a:fontRef idx="minor">
+            <a:schemeClr val="lt1"/>
+          </a:fontRef>
+        </p:style>
+        <p:txBody>
+          <a:bodyPr rtlCol="0" anchor="ctr"/>
+          <a:lstStyle/>
+          <a:p>
+            <a:pPr algn="ctr"/>
+            <a:endParaRPr lang="en-US"/>
           </a:p>
         </p:txBody>
       </p:sp>

--- a/labmanual/English/WW101-Binder-Cover.pptx
+++ b/labmanual/English/WW101-Binder-Cover.pptx
@@ -248,7 +248,7 @@
           <a:p>
             <a:fld id="{FD9117CB-CD87-A145-B0DD-B1FF23D56DC0}" type="datetimeFigureOut">
               <a:rPr lang="en-US" smtClean="0"/>
-              <a:t>10/25/2017</a:t>
+              <a:t>10/30/2017</a:t>
             </a:fld>
             <a:endParaRPr lang="en-US"/>
           </a:p>
@@ -418,7 +418,7 @@
           <a:p>
             <a:fld id="{FD9117CB-CD87-A145-B0DD-B1FF23D56DC0}" type="datetimeFigureOut">
               <a:rPr lang="en-US" smtClean="0"/>
-              <a:t>10/25/2017</a:t>
+              <a:t>10/30/2017</a:t>
             </a:fld>
             <a:endParaRPr lang="en-US"/>
           </a:p>
@@ -598,7 +598,7 @@
           <a:p>
             <a:fld id="{FD9117CB-CD87-A145-B0DD-B1FF23D56DC0}" type="datetimeFigureOut">
               <a:rPr lang="en-US" smtClean="0"/>
-              <a:t>10/25/2017</a:t>
+              <a:t>10/30/2017</a:t>
             </a:fld>
             <a:endParaRPr lang="en-US"/>
           </a:p>
@@ -768,7 +768,7 @@
           <a:p>
             <a:fld id="{FD9117CB-CD87-A145-B0DD-B1FF23D56DC0}" type="datetimeFigureOut">
               <a:rPr lang="en-US" smtClean="0"/>
-              <a:t>10/25/2017</a:t>
+              <a:t>10/30/2017</a:t>
             </a:fld>
             <a:endParaRPr lang="en-US"/>
           </a:p>
@@ -1012,7 +1012,7 @@
           <a:p>
             <a:fld id="{FD9117CB-CD87-A145-B0DD-B1FF23D56DC0}" type="datetimeFigureOut">
               <a:rPr lang="en-US" smtClean="0"/>
-              <a:t>10/25/2017</a:t>
+              <a:t>10/30/2017</a:t>
             </a:fld>
             <a:endParaRPr lang="en-US"/>
           </a:p>
@@ -1244,7 +1244,7 @@
           <a:p>
             <a:fld id="{FD9117CB-CD87-A145-B0DD-B1FF23D56DC0}" type="datetimeFigureOut">
               <a:rPr lang="en-US" smtClean="0"/>
-              <a:t>10/25/2017</a:t>
+              <a:t>10/30/2017</a:t>
             </a:fld>
             <a:endParaRPr lang="en-US"/>
           </a:p>
@@ -1611,7 +1611,7 @@
           <a:p>
             <a:fld id="{FD9117CB-CD87-A145-B0DD-B1FF23D56DC0}" type="datetimeFigureOut">
               <a:rPr lang="en-US" smtClean="0"/>
-              <a:t>10/25/2017</a:t>
+              <a:t>10/30/2017</a:t>
             </a:fld>
             <a:endParaRPr lang="en-US"/>
           </a:p>
@@ -1729,7 +1729,7 @@
           <a:p>
             <a:fld id="{FD9117CB-CD87-A145-B0DD-B1FF23D56DC0}" type="datetimeFigureOut">
               <a:rPr lang="en-US" smtClean="0"/>
-              <a:t>10/25/2017</a:t>
+              <a:t>10/30/2017</a:t>
             </a:fld>
             <a:endParaRPr lang="en-US"/>
           </a:p>
@@ -1824,7 +1824,7 @@
           <a:p>
             <a:fld id="{FD9117CB-CD87-A145-B0DD-B1FF23D56DC0}" type="datetimeFigureOut">
               <a:rPr lang="en-US" smtClean="0"/>
-              <a:t>10/25/2017</a:t>
+              <a:t>10/30/2017</a:t>
             </a:fld>
             <a:endParaRPr lang="en-US"/>
           </a:p>
@@ -2101,7 +2101,7 @@
           <a:p>
             <a:fld id="{FD9117CB-CD87-A145-B0DD-B1FF23D56DC0}" type="datetimeFigureOut">
               <a:rPr lang="en-US" smtClean="0"/>
-              <a:t>10/25/2017</a:t>
+              <a:t>10/30/2017</a:t>
             </a:fld>
             <a:endParaRPr lang="en-US"/>
           </a:p>
@@ -2358,7 +2358,7 @@
           <a:p>
             <a:fld id="{FD9117CB-CD87-A145-B0DD-B1FF23D56DC0}" type="datetimeFigureOut">
               <a:rPr lang="en-US" smtClean="0"/>
-              <a:t>10/25/2017</a:t>
+              <a:t>10/30/2017</a:t>
             </a:fld>
             <a:endParaRPr lang="en-US"/>
           </a:p>
@@ -2571,7 +2571,7 @@
           <a:p>
             <a:fld id="{FD9117CB-CD87-A145-B0DD-B1FF23D56DC0}" type="datetimeFigureOut">
               <a:rPr lang="en-US" smtClean="0"/>
-              <a:t>10/25/2017</a:t>
+              <a:t>10/30/2017</a:t>
             </a:fld>
             <a:endParaRPr lang="en-US"/>
           </a:p>
@@ -3184,7 +3184,7 @@
           <a:p>
             <a:r>
               <a:rPr lang="en-US" sz="1600" dirty="0"/>
-              <a:t>Trouble Shooting Guide: </a:t>
+              <a:t>Trouble Shooting Checklist: </a:t>
             </a:r>
           </a:p>
           <a:p>
@@ -3193,7 +3193,7 @@
           <a:p>
             <a:r>
               <a:rPr lang="en-US" sz="1600" dirty="0"/>
-              <a:t>Did you SAVE before you ran Make</a:t>
+              <a:t>Did you SAVE before you ran Make?</a:t>
             </a:r>
           </a:p>
           <a:p>
@@ -3207,13 +3207,8 @@
             </a:r>
             <a:r>
               <a:rPr lang="en-US" sz="1600" dirty="0"/>
-              <a:t> before any </a:t>
-            </a:r>
-            <a:r>
-              <a:rPr lang="en-US" sz="1600"/>
-              <a:t>other WICED function</a:t>
-            </a:r>
-            <a:endParaRPr lang="en-US" sz="1600" dirty="0"/>
+              <a:t> before any other WICED function?</a:t>
+            </a:r>
           </a:p>
           <a:p>
             <a:r>
@@ -3226,25 +3221,25 @@
             </a:r>
             <a:r>
               <a:rPr lang="en-US" sz="1600" dirty="0"/>
-              <a:t> function for each peripheral used</a:t>
+              <a:t> function for each peripheral used?</a:t>
             </a:r>
           </a:p>
           <a:p>
             <a:r>
               <a:rPr lang="en-US" sz="1600" dirty="0"/>
-              <a:t>Do the project folder, C file, and make file all have the same name</a:t>
+              <a:t>Do the project folder, C file, and make file all have the same name?</a:t>
             </a:r>
           </a:p>
           <a:p>
             <a:r>
               <a:rPr lang="en-US" sz="1600" dirty="0"/>
-              <a:t>Is the APP NAME in the make file unique</a:t>
+              <a:t>Is the APP NAME in the make file unique?</a:t>
             </a:r>
           </a:p>
           <a:p>
             <a:r>
               <a:rPr lang="en-US" sz="1600" dirty="0"/>
-              <a:t>Did you clean after modifying certificates</a:t>
+              <a:t>Did you clean after modifying certificates or other non-c/h files?</a:t>
             </a:r>
           </a:p>
           <a:p>
@@ -3258,19 +3253,19 @@
             </a:r>
             <a:r>
               <a:rPr lang="en-US" sz="1600" dirty="0"/>
-              <a:t> before any network activities</a:t>
+              <a:t> before any network activities?</a:t>
             </a:r>
           </a:p>
           <a:p>
             <a:r>
               <a:rPr lang="en-US" sz="1600" dirty="0"/>
-              <a:t>Did you create all structures before referencing them in function calls</a:t>
+              <a:t>Did you create all structures before referencing them in function calls?</a:t>
             </a:r>
           </a:p>
           <a:p>
             <a:r>
               <a:rPr lang="en-US" sz="1600" dirty="0"/>
-              <a:t>Did you use WPRINT_APP_INFO for debugging (e.g. WICED return codes)</a:t>
+              <a:t>Did you use WPRINT_APP_INFO for debugging (e.g. WICED return codes)?</a:t>
             </a:r>
           </a:p>
         </p:txBody>

--- a/labmanual/English/WW101-Binder-Cover.pptx
+++ b/labmanual/English/WW101-Binder-Cover.pptx
@@ -248,7 +248,7 @@
           <a:p>
             <a:fld id="{FD9117CB-CD87-A145-B0DD-B1FF23D56DC0}" type="datetimeFigureOut">
               <a:rPr lang="en-US" smtClean="0"/>
-              <a:t>10/30/2017</a:t>
+              <a:t>3/13/2018</a:t>
             </a:fld>
             <a:endParaRPr lang="en-US"/>
           </a:p>
@@ -418,7 +418,7 @@
           <a:p>
             <a:fld id="{FD9117CB-CD87-A145-B0DD-B1FF23D56DC0}" type="datetimeFigureOut">
               <a:rPr lang="en-US" smtClean="0"/>
-              <a:t>10/30/2017</a:t>
+              <a:t>3/13/2018</a:t>
             </a:fld>
             <a:endParaRPr lang="en-US"/>
           </a:p>
@@ -598,7 +598,7 @@
           <a:p>
             <a:fld id="{FD9117CB-CD87-A145-B0DD-B1FF23D56DC0}" type="datetimeFigureOut">
               <a:rPr lang="en-US" smtClean="0"/>
-              <a:t>10/30/2017</a:t>
+              <a:t>3/13/2018</a:t>
             </a:fld>
             <a:endParaRPr lang="en-US"/>
           </a:p>
@@ -768,7 +768,7 @@
           <a:p>
             <a:fld id="{FD9117CB-CD87-A145-B0DD-B1FF23D56DC0}" type="datetimeFigureOut">
               <a:rPr lang="en-US" smtClean="0"/>
-              <a:t>10/30/2017</a:t>
+              <a:t>3/13/2018</a:t>
             </a:fld>
             <a:endParaRPr lang="en-US"/>
           </a:p>
@@ -1012,7 +1012,7 @@
           <a:p>
             <a:fld id="{FD9117CB-CD87-A145-B0DD-B1FF23D56DC0}" type="datetimeFigureOut">
               <a:rPr lang="en-US" smtClean="0"/>
-              <a:t>10/30/2017</a:t>
+              <a:t>3/13/2018</a:t>
             </a:fld>
             <a:endParaRPr lang="en-US"/>
           </a:p>
@@ -1244,7 +1244,7 @@
           <a:p>
             <a:fld id="{FD9117CB-CD87-A145-B0DD-B1FF23D56DC0}" type="datetimeFigureOut">
               <a:rPr lang="en-US" smtClean="0"/>
-              <a:t>10/30/2017</a:t>
+              <a:t>3/13/2018</a:t>
             </a:fld>
             <a:endParaRPr lang="en-US"/>
           </a:p>
@@ -1611,7 +1611,7 @@
           <a:p>
             <a:fld id="{FD9117CB-CD87-A145-B0DD-B1FF23D56DC0}" type="datetimeFigureOut">
               <a:rPr lang="en-US" smtClean="0"/>
-              <a:t>10/30/2017</a:t>
+              <a:t>3/13/2018</a:t>
             </a:fld>
             <a:endParaRPr lang="en-US"/>
           </a:p>
@@ -1729,7 +1729,7 @@
           <a:p>
             <a:fld id="{FD9117CB-CD87-A145-B0DD-B1FF23D56DC0}" type="datetimeFigureOut">
               <a:rPr lang="en-US" smtClean="0"/>
-              <a:t>10/30/2017</a:t>
+              <a:t>3/13/2018</a:t>
             </a:fld>
             <a:endParaRPr lang="en-US"/>
           </a:p>
@@ -1824,7 +1824,7 @@
           <a:p>
             <a:fld id="{FD9117CB-CD87-A145-B0DD-B1FF23D56DC0}" type="datetimeFigureOut">
               <a:rPr lang="en-US" smtClean="0"/>
-              <a:t>10/30/2017</a:t>
+              <a:t>3/13/2018</a:t>
             </a:fld>
             <a:endParaRPr lang="en-US"/>
           </a:p>
@@ -2101,7 +2101,7 @@
           <a:p>
             <a:fld id="{FD9117CB-CD87-A145-B0DD-B1FF23D56DC0}" type="datetimeFigureOut">
               <a:rPr lang="en-US" smtClean="0"/>
-              <a:t>10/30/2017</a:t>
+              <a:t>3/13/2018</a:t>
             </a:fld>
             <a:endParaRPr lang="en-US"/>
           </a:p>
@@ -2358,7 +2358,7 @@
           <a:p>
             <a:fld id="{FD9117CB-CD87-A145-B0DD-B1FF23D56DC0}" type="datetimeFigureOut">
               <a:rPr lang="en-US" smtClean="0"/>
-              <a:t>10/30/2017</a:t>
+              <a:t>3/13/2018</a:t>
             </a:fld>
             <a:endParaRPr lang="en-US"/>
           </a:p>
@@ -2571,7 +2571,7 @@
           <a:p>
             <a:fld id="{FD9117CB-CD87-A145-B0DD-B1FF23D56DC0}" type="datetimeFigureOut">
               <a:rPr lang="en-US" smtClean="0"/>
-              <a:t>10/30/2017</a:t>
+              <a:t>3/13/2018</a:t>
             </a:fld>
             <a:endParaRPr lang="en-US"/>
           </a:p>
@@ -3125,7 +3125,7 @@
           <a:p>
             <a:r>
               <a:rPr lang="en-US" sz="1050" dirty="0"/>
-              <a:t>Version 2.1</a:t>
+              <a:t>Version 2.2</a:t>
             </a:r>
           </a:p>
         </p:txBody>
